--- a/Thesis/Figures/main/figure9.pptx
+++ b/Thesis/Figures/main/figure9.pptx
@@ -134,7 +134,7 @@
           <p:cNvPr id="2" name="Title 1">
             <a:extLst>
               <a:ext uri="{FF2B5EF4-FFF2-40B4-BE49-F238E27FC236}">
-                <a16:creationId xmlns:a16="http://schemas.microsoft.com/office/drawing/2014/main" id="{266145FC-5A66-47CF-9A81-BC65DED77621}"/>
+                <a16:creationId xmlns:a16="http://schemas.microsoft.com/office/drawing/2014/main" xmlns="" id="{266145FC-5A66-47CF-9A81-BC65DED77621}"/>
               </a:ext>
             </a:extLst>
           </p:cNvPr>
@@ -171,7 +171,7 @@
           <p:cNvPr id="3" name="Subtitle 2">
             <a:extLst>
               <a:ext uri="{FF2B5EF4-FFF2-40B4-BE49-F238E27FC236}">
-                <a16:creationId xmlns:a16="http://schemas.microsoft.com/office/drawing/2014/main" id="{30AA4ED3-A677-4AFC-8B3F-9234B7ADAAAF}"/>
+                <a16:creationId xmlns:a16="http://schemas.microsoft.com/office/drawing/2014/main" xmlns="" id="{30AA4ED3-A677-4AFC-8B3F-9234B7ADAAAF}"/>
               </a:ext>
             </a:extLst>
           </p:cNvPr>
@@ -241,7 +241,7 @@
           <p:cNvPr id="4" name="Date Placeholder 3">
             <a:extLst>
               <a:ext uri="{FF2B5EF4-FFF2-40B4-BE49-F238E27FC236}">
-                <a16:creationId xmlns:a16="http://schemas.microsoft.com/office/drawing/2014/main" id="{898A56A2-2863-447A-ADFF-5370E16268B5}"/>
+                <a16:creationId xmlns:a16="http://schemas.microsoft.com/office/drawing/2014/main" xmlns="" id="{898A56A2-2863-447A-ADFF-5370E16268B5}"/>
               </a:ext>
             </a:extLst>
           </p:cNvPr>
@@ -259,7 +259,7 @@
           <a:p>
             <a:fld id="{00913632-2DD1-4795-B4E2-ED79D20560CD}" type="datetimeFigureOut">
               <a:rPr lang="en-US" smtClean="0"/>
-              <a:t>11/3/2020</a:t>
+              <a:t>11/6/2020</a:t>
             </a:fld>
             <a:endParaRPr lang="en-US"/>
           </a:p>
@@ -270,7 +270,7 @@
           <p:cNvPr id="5" name="Footer Placeholder 4">
             <a:extLst>
               <a:ext uri="{FF2B5EF4-FFF2-40B4-BE49-F238E27FC236}">
-                <a16:creationId xmlns:a16="http://schemas.microsoft.com/office/drawing/2014/main" id="{03C23587-6B49-4696-A5F6-D06DBA206B28}"/>
+                <a16:creationId xmlns:a16="http://schemas.microsoft.com/office/drawing/2014/main" xmlns="" id="{03C23587-6B49-4696-A5F6-D06DBA206B28}"/>
               </a:ext>
             </a:extLst>
           </p:cNvPr>
@@ -295,7 +295,7 @@
           <p:cNvPr id="6" name="Slide Number Placeholder 5">
             <a:extLst>
               <a:ext uri="{FF2B5EF4-FFF2-40B4-BE49-F238E27FC236}">
-                <a16:creationId xmlns:a16="http://schemas.microsoft.com/office/drawing/2014/main" id="{5EF8C12E-535A-4B74-AD2B-2EA4614450E2}"/>
+                <a16:creationId xmlns:a16="http://schemas.microsoft.com/office/drawing/2014/main" xmlns="" id="{5EF8C12E-535A-4B74-AD2B-2EA4614450E2}"/>
               </a:ext>
             </a:extLst>
           </p:cNvPr>
@@ -354,7 +354,7 @@
           <p:cNvPr id="2" name="Title 1">
             <a:extLst>
               <a:ext uri="{FF2B5EF4-FFF2-40B4-BE49-F238E27FC236}">
-                <a16:creationId xmlns:a16="http://schemas.microsoft.com/office/drawing/2014/main" id="{03ADAA2F-030C-49A4-8C17-16394E1DA6E8}"/>
+                <a16:creationId xmlns:a16="http://schemas.microsoft.com/office/drawing/2014/main" xmlns="" id="{03ADAA2F-030C-49A4-8C17-16394E1DA6E8}"/>
               </a:ext>
             </a:extLst>
           </p:cNvPr>
@@ -382,7 +382,7 @@
           <p:cNvPr id="3" name="Vertical Text Placeholder 2">
             <a:extLst>
               <a:ext uri="{FF2B5EF4-FFF2-40B4-BE49-F238E27FC236}">
-                <a16:creationId xmlns:a16="http://schemas.microsoft.com/office/drawing/2014/main" id="{585FF03A-FDB8-4B28-B94B-4CE6B342BA3B}"/>
+                <a16:creationId xmlns:a16="http://schemas.microsoft.com/office/drawing/2014/main" xmlns="" id="{585FF03A-FDB8-4B28-B94B-4CE6B342BA3B}"/>
               </a:ext>
             </a:extLst>
           </p:cNvPr>
@@ -439,7 +439,7 @@
           <p:cNvPr id="4" name="Date Placeholder 3">
             <a:extLst>
               <a:ext uri="{FF2B5EF4-FFF2-40B4-BE49-F238E27FC236}">
-                <a16:creationId xmlns:a16="http://schemas.microsoft.com/office/drawing/2014/main" id="{7942E5B2-5BF3-4F21-8176-5288BDA3DC61}"/>
+                <a16:creationId xmlns:a16="http://schemas.microsoft.com/office/drawing/2014/main" xmlns="" id="{7942E5B2-5BF3-4F21-8176-5288BDA3DC61}"/>
               </a:ext>
             </a:extLst>
           </p:cNvPr>
@@ -457,7 +457,7 @@
           <a:p>
             <a:fld id="{00913632-2DD1-4795-B4E2-ED79D20560CD}" type="datetimeFigureOut">
               <a:rPr lang="en-US" smtClean="0"/>
-              <a:t>11/3/2020</a:t>
+              <a:t>11/6/2020</a:t>
             </a:fld>
             <a:endParaRPr lang="en-US"/>
           </a:p>
@@ -468,7 +468,7 @@
           <p:cNvPr id="5" name="Footer Placeholder 4">
             <a:extLst>
               <a:ext uri="{FF2B5EF4-FFF2-40B4-BE49-F238E27FC236}">
-                <a16:creationId xmlns:a16="http://schemas.microsoft.com/office/drawing/2014/main" id="{CE23845C-808C-479B-9DCA-6B87DC106BBC}"/>
+                <a16:creationId xmlns:a16="http://schemas.microsoft.com/office/drawing/2014/main" xmlns="" id="{CE23845C-808C-479B-9DCA-6B87DC106BBC}"/>
               </a:ext>
             </a:extLst>
           </p:cNvPr>
@@ -493,7 +493,7 @@
           <p:cNvPr id="6" name="Slide Number Placeholder 5">
             <a:extLst>
               <a:ext uri="{FF2B5EF4-FFF2-40B4-BE49-F238E27FC236}">
-                <a16:creationId xmlns:a16="http://schemas.microsoft.com/office/drawing/2014/main" id="{2298A856-0DCF-4F4C-BB18-57AB2C056869}"/>
+                <a16:creationId xmlns:a16="http://schemas.microsoft.com/office/drawing/2014/main" xmlns="" id="{2298A856-0DCF-4F4C-BB18-57AB2C056869}"/>
               </a:ext>
             </a:extLst>
           </p:cNvPr>
@@ -552,7 +552,7 @@
           <p:cNvPr id="2" name="Vertical Title 1">
             <a:extLst>
               <a:ext uri="{FF2B5EF4-FFF2-40B4-BE49-F238E27FC236}">
-                <a16:creationId xmlns:a16="http://schemas.microsoft.com/office/drawing/2014/main" id="{9562D88E-BB92-42E1-90E9-4EEB17356AC9}"/>
+                <a16:creationId xmlns:a16="http://schemas.microsoft.com/office/drawing/2014/main" xmlns="" id="{9562D88E-BB92-42E1-90E9-4EEB17356AC9}"/>
               </a:ext>
             </a:extLst>
           </p:cNvPr>
@@ -585,7 +585,7 @@
           <p:cNvPr id="3" name="Vertical Text Placeholder 2">
             <a:extLst>
               <a:ext uri="{FF2B5EF4-FFF2-40B4-BE49-F238E27FC236}">
-                <a16:creationId xmlns:a16="http://schemas.microsoft.com/office/drawing/2014/main" id="{AEE5035D-C178-4E0D-85F2-EEA7C032A104}"/>
+                <a16:creationId xmlns:a16="http://schemas.microsoft.com/office/drawing/2014/main" xmlns="" id="{AEE5035D-C178-4E0D-85F2-EEA7C032A104}"/>
               </a:ext>
             </a:extLst>
           </p:cNvPr>
@@ -647,7 +647,7 @@
           <p:cNvPr id="4" name="Date Placeholder 3">
             <a:extLst>
               <a:ext uri="{FF2B5EF4-FFF2-40B4-BE49-F238E27FC236}">
-                <a16:creationId xmlns:a16="http://schemas.microsoft.com/office/drawing/2014/main" id="{6F7B98C4-86BD-404E-A6DB-7EFA6BD9FAE3}"/>
+                <a16:creationId xmlns:a16="http://schemas.microsoft.com/office/drawing/2014/main" xmlns="" id="{6F7B98C4-86BD-404E-A6DB-7EFA6BD9FAE3}"/>
               </a:ext>
             </a:extLst>
           </p:cNvPr>
@@ -665,7 +665,7 @@
           <a:p>
             <a:fld id="{00913632-2DD1-4795-B4E2-ED79D20560CD}" type="datetimeFigureOut">
               <a:rPr lang="en-US" smtClean="0"/>
-              <a:t>11/3/2020</a:t>
+              <a:t>11/6/2020</a:t>
             </a:fld>
             <a:endParaRPr lang="en-US"/>
           </a:p>
@@ -676,7 +676,7 @@
           <p:cNvPr id="5" name="Footer Placeholder 4">
             <a:extLst>
               <a:ext uri="{FF2B5EF4-FFF2-40B4-BE49-F238E27FC236}">
-                <a16:creationId xmlns:a16="http://schemas.microsoft.com/office/drawing/2014/main" id="{D16DF7ED-98A0-488B-B21A-55C09921675B}"/>
+                <a16:creationId xmlns:a16="http://schemas.microsoft.com/office/drawing/2014/main" xmlns="" id="{D16DF7ED-98A0-488B-B21A-55C09921675B}"/>
               </a:ext>
             </a:extLst>
           </p:cNvPr>
@@ -701,7 +701,7 @@
           <p:cNvPr id="6" name="Slide Number Placeholder 5">
             <a:extLst>
               <a:ext uri="{FF2B5EF4-FFF2-40B4-BE49-F238E27FC236}">
-                <a16:creationId xmlns:a16="http://schemas.microsoft.com/office/drawing/2014/main" id="{321D58DE-5CAA-429E-B634-C066DC30910A}"/>
+                <a16:creationId xmlns:a16="http://schemas.microsoft.com/office/drawing/2014/main" xmlns="" id="{321D58DE-5CAA-429E-B634-C066DC30910A}"/>
               </a:ext>
             </a:extLst>
           </p:cNvPr>
@@ -760,7 +760,7 @@
           <p:cNvPr id="2" name="Title 1">
             <a:extLst>
               <a:ext uri="{FF2B5EF4-FFF2-40B4-BE49-F238E27FC236}">
-                <a16:creationId xmlns:a16="http://schemas.microsoft.com/office/drawing/2014/main" id="{B080B9EB-14A7-45D0-89A5-3C369180DA9F}"/>
+                <a16:creationId xmlns:a16="http://schemas.microsoft.com/office/drawing/2014/main" xmlns="" id="{B080B9EB-14A7-45D0-89A5-3C369180DA9F}"/>
               </a:ext>
             </a:extLst>
           </p:cNvPr>
@@ -788,7 +788,7 @@
           <p:cNvPr id="3" name="Content Placeholder 2">
             <a:extLst>
               <a:ext uri="{FF2B5EF4-FFF2-40B4-BE49-F238E27FC236}">
-                <a16:creationId xmlns:a16="http://schemas.microsoft.com/office/drawing/2014/main" id="{8F7CB966-FDB9-4479-8CF1-262657174CA0}"/>
+                <a16:creationId xmlns:a16="http://schemas.microsoft.com/office/drawing/2014/main" xmlns="" id="{8F7CB966-FDB9-4479-8CF1-262657174CA0}"/>
               </a:ext>
             </a:extLst>
           </p:cNvPr>
@@ -845,7 +845,7 @@
           <p:cNvPr id="4" name="Date Placeholder 3">
             <a:extLst>
               <a:ext uri="{FF2B5EF4-FFF2-40B4-BE49-F238E27FC236}">
-                <a16:creationId xmlns:a16="http://schemas.microsoft.com/office/drawing/2014/main" id="{FD8480D7-17D8-4224-947B-3C108DA7F654}"/>
+                <a16:creationId xmlns:a16="http://schemas.microsoft.com/office/drawing/2014/main" xmlns="" id="{FD8480D7-17D8-4224-947B-3C108DA7F654}"/>
               </a:ext>
             </a:extLst>
           </p:cNvPr>
@@ -863,7 +863,7 @@
           <a:p>
             <a:fld id="{00913632-2DD1-4795-B4E2-ED79D20560CD}" type="datetimeFigureOut">
               <a:rPr lang="en-US" smtClean="0"/>
-              <a:t>11/3/2020</a:t>
+              <a:t>11/6/2020</a:t>
             </a:fld>
             <a:endParaRPr lang="en-US"/>
           </a:p>
@@ -874,7 +874,7 @@
           <p:cNvPr id="5" name="Footer Placeholder 4">
             <a:extLst>
               <a:ext uri="{FF2B5EF4-FFF2-40B4-BE49-F238E27FC236}">
-                <a16:creationId xmlns:a16="http://schemas.microsoft.com/office/drawing/2014/main" id="{6373A9DB-0201-4D97-B625-5C36072144BF}"/>
+                <a16:creationId xmlns:a16="http://schemas.microsoft.com/office/drawing/2014/main" xmlns="" id="{6373A9DB-0201-4D97-B625-5C36072144BF}"/>
               </a:ext>
             </a:extLst>
           </p:cNvPr>
@@ -899,7 +899,7 @@
           <p:cNvPr id="6" name="Slide Number Placeholder 5">
             <a:extLst>
               <a:ext uri="{FF2B5EF4-FFF2-40B4-BE49-F238E27FC236}">
-                <a16:creationId xmlns:a16="http://schemas.microsoft.com/office/drawing/2014/main" id="{6B12B3E2-9380-453E-9310-436991BE4399}"/>
+                <a16:creationId xmlns:a16="http://schemas.microsoft.com/office/drawing/2014/main" xmlns="" id="{6B12B3E2-9380-453E-9310-436991BE4399}"/>
               </a:ext>
             </a:extLst>
           </p:cNvPr>
@@ -958,7 +958,7 @@
           <p:cNvPr id="2" name="Title 1">
             <a:extLst>
               <a:ext uri="{FF2B5EF4-FFF2-40B4-BE49-F238E27FC236}">
-                <a16:creationId xmlns:a16="http://schemas.microsoft.com/office/drawing/2014/main" id="{A2CF75EC-F216-4913-A9F7-161C35FA4EFB}"/>
+                <a16:creationId xmlns:a16="http://schemas.microsoft.com/office/drawing/2014/main" xmlns="" id="{A2CF75EC-F216-4913-A9F7-161C35FA4EFB}"/>
               </a:ext>
             </a:extLst>
           </p:cNvPr>
@@ -995,7 +995,7 @@
           <p:cNvPr id="3" name="Text Placeholder 2">
             <a:extLst>
               <a:ext uri="{FF2B5EF4-FFF2-40B4-BE49-F238E27FC236}">
-                <a16:creationId xmlns:a16="http://schemas.microsoft.com/office/drawing/2014/main" id="{A8A254CE-7D22-4564-A24D-0895F568FF98}"/>
+                <a16:creationId xmlns:a16="http://schemas.microsoft.com/office/drawing/2014/main" xmlns="" id="{A8A254CE-7D22-4564-A24D-0895F568FF98}"/>
               </a:ext>
             </a:extLst>
           </p:cNvPr>
@@ -1120,7 +1120,7 @@
           <p:cNvPr id="4" name="Date Placeholder 3">
             <a:extLst>
               <a:ext uri="{FF2B5EF4-FFF2-40B4-BE49-F238E27FC236}">
-                <a16:creationId xmlns:a16="http://schemas.microsoft.com/office/drawing/2014/main" id="{B9B42F33-2306-4363-92BB-BB549311F484}"/>
+                <a16:creationId xmlns:a16="http://schemas.microsoft.com/office/drawing/2014/main" xmlns="" id="{B9B42F33-2306-4363-92BB-BB549311F484}"/>
               </a:ext>
             </a:extLst>
           </p:cNvPr>
@@ -1138,7 +1138,7 @@
           <a:p>
             <a:fld id="{00913632-2DD1-4795-B4E2-ED79D20560CD}" type="datetimeFigureOut">
               <a:rPr lang="en-US" smtClean="0"/>
-              <a:t>11/3/2020</a:t>
+              <a:t>11/6/2020</a:t>
             </a:fld>
             <a:endParaRPr lang="en-US"/>
           </a:p>
@@ -1149,7 +1149,7 @@
           <p:cNvPr id="5" name="Footer Placeholder 4">
             <a:extLst>
               <a:ext uri="{FF2B5EF4-FFF2-40B4-BE49-F238E27FC236}">
-                <a16:creationId xmlns:a16="http://schemas.microsoft.com/office/drawing/2014/main" id="{8BE14073-4C7C-403C-8F87-10975A80B9BD}"/>
+                <a16:creationId xmlns:a16="http://schemas.microsoft.com/office/drawing/2014/main" xmlns="" id="{8BE14073-4C7C-403C-8F87-10975A80B9BD}"/>
               </a:ext>
             </a:extLst>
           </p:cNvPr>
@@ -1174,7 +1174,7 @@
           <p:cNvPr id="6" name="Slide Number Placeholder 5">
             <a:extLst>
               <a:ext uri="{FF2B5EF4-FFF2-40B4-BE49-F238E27FC236}">
-                <a16:creationId xmlns:a16="http://schemas.microsoft.com/office/drawing/2014/main" id="{05760AE9-BE0F-44CB-A868-626417903157}"/>
+                <a16:creationId xmlns:a16="http://schemas.microsoft.com/office/drawing/2014/main" xmlns="" id="{05760AE9-BE0F-44CB-A868-626417903157}"/>
               </a:ext>
             </a:extLst>
           </p:cNvPr>
@@ -1233,7 +1233,7 @@
           <p:cNvPr id="2" name="Title 1">
             <a:extLst>
               <a:ext uri="{FF2B5EF4-FFF2-40B4-BE49-F238E27FC236}">
-                <a16:creationId xmlns:a16="http://schemas.microsoft.com/office/drawing/2014/main" id="{C454B56F-6611-4A15-8B6F-907028E282AD}"/>
+                <a16:creationId xmlns:a16="http://schemas.microsoft.com/office/drawing/2014/main" xmlns="" id="{C454B56F-6611-4A15-8B6F-907028E282AD}"/>
               </a:ext>
             </a:extLst>
           </p:cNvPr>
@@ -1261,7 +1261,7 @@
           <p:cNvPr id="3" name="Content Placeholder 2">
             <a:extLst>
               <a:ext uri="{FF2B5EF4-FFF2-40B4-BE49-F238E27FC236}">
-                <a16:creationId xmlns:a16="http://schemas.microsoft.com/office/drawing/2014/main" id="{8C399A4E-E3E6-4A19-9A42-BBC1F0FEE407}"/>
+                <a16:creationId xmlns:a16="http://schemas.microsoft.com/office/drawing/2014/main" xmlns="" id="{8C399A4E-E3E6-4A19-9A42-BBC1F0FEE407}"/>
               </a:ext>
             </a:extLst>
           </p:cNvPr>
@@ -1323,7 +1323,7 @@
           <p:cNvPr id="4" name="Content Placeholder 3">
             <a:extLst>
               <a:ext uri="{FF2B5EF4-FFF2-40B4-BE49-F238E27FC236}">
-                <a16:creationId xmlns:a16="http://schemas.microsoft.com/office/drawing/2014/main" id="{23B518A6-6326-4E34-B7A2-5D8A9C8FB502}"/>
+                <a16:creationId xmlns:a16="http://schemas.microsoft.com/office/drawing/2014/main" xmlns="" id="{23B518A6-6326-4E34-B7A2-5D8A9C8FB502}"/>
               </a:ext>
             </a:extLst>
           </p:cNvPr>
@@ -1385,7 +1385,7 @@
           <p:cNvPr id="5" name="Date Placeholder 4">
             <a:extLst>
               <a:ext uri="{FF2B5EF4-FFF2-40B4-BE49-F238E27FC236}">
-                <a16:creationId xmlns:a16="http://schemas.microsoft.com/office/drawing/2014/main" id="{A18D0A9F-16FF-4E3C-91E4-742A6C31FD8C}"/>
+                <a16:creationId xmlns:a16="http://schemas.microsoft.com/office/drawing/2014/main" xmlns="" id="{A18D0A9F-16FF-4E3C-91E4-742A6C31FD8C}"/>
               </a:ext>
             </a:extLst>
           </p:cNvPr>
@@ -1403,7 +1403,7 @@
           <a:p>
             <a:fld id="{00913632-2DD1-4795-B4E2-ED79D20560CD}" type="datetimeFigureOut">
               <a:rPr lang="en-US" smtClean="0"/>
-              <a:t>11/3/2020</a:t>
+              <a:t>11/6/2020</a:t>
             </a:fld>
             <a:endParaRPr lang="en-US"/>
           </a:p>
@@ -1414,7 +1414,7 @@
           <p:cNvPr id="6" name="Footer Placeholder 5">
             <a:extLst>
               <a:ext uri="{FF2B5EF4-FFF2-40B4-BE49-F238E27FC236}">
-                <a16:creationId xmlns:a16="http://schemas.microsoft.com/office/drawing/2014/main" id="{362364C1-852E-4529-8720-CEE7B45285DA}"/>
+                <a16:creationId xmlns:a16="http://schemas.microsoft.com/office/drawing/2014/main" xmlns="" id="{362364C1-852E-4529-8720-CEE7B45285DA}"/>
               </a:ext>
             </a:extLst>
           </p:cNvPr>
@@ -1439,7 +1439,7 @@
           <p:cNvPr id="7" name="Slide Number Placeholder 6">
             <a:extLst>
               <a:ext uri="{FF2B5EF4-FFF2-40B4-BE49-F238E27FC236}">
-                <a16:creationId xmlns:a16="http://schemas.microsoft.com/office/drawing/2014/main" id="{1F6EBF2D-4BC8-4D76-8B68-F548E6D87CD0}"/>
+                <a16:creationId xmlns:a16="http://schemas.microsoft.com/office/drawing/2014/main" xmlns="" id="{1F6EBF2D-4BC8-4D76-8B68-F548E6D87CD0}"/>
               </a:ext>
             </a:extLst>
           </p:cNvPr>
@@ -1498,7 +1498,7 @@
           <p:cNvPr id="2" name="Title 1">
             <a:extLst>
               <a:ext uri="{FF2B5EF4-FFF2-40B4-BE49-F238E27FC236}">
-                <a16:creationId xmlns:a16="http://schemas.microsoft.com/office/drawing/2014/main" id="{E3BBDD25-478C-462D-B06E-FF2BE8108ECC}"/>
+                <a16:creationId xmlns:a16="http://schemas.microsoft.com/office/drawing/2014/main" xmlns="" id="{E3BBDD25-478C-462D-B06E-FF2BE8108ECC}"/>
               </a:ext>
             </a:extLst>
           </p:cNvPr>
@@ -1531,7 +1531,7 @@
           <p:cNvPr id="3" name="Text Placeholder 2">
             <a:extLst>
               <a:ext uri="{FF2B5EF4-FFF2-40B4-BE49-F238E27FC236}">
-                <a16:creationId xmlns:a16="http://schemas.microsoft.com/office/drawing/2014/main" id="{2EB30F3B-2851-48FB-BB48-23B45297D1B9}"/>
+                <a16:creationId xmlns:a16="http://schemas.microsoft.com/office/drawing/2014/main" xmlns="" id="{2EB30F3B-2851-48FB-BB48-23B45297D1B9}"/>
               </a:ext>
             </a:extLst>
           </p:cNvPr>
@@ -1602,7 +1602,7 @@
           <p:cNvPr id="4" name="Content Placeholder 3">
             <a:extLst>
               <a:ext uri="{FF2B5EF4-FFF2-40B4-BE49-F238E27FC236}">
-                <a16:creationId xmlns:a16="http://schemas.microsoft.com/office/drawing/2014/main" id="{46C4EFCF-37C6-4BF4-8CE5-7F55B3A7E156}"/>
+                <a16:creationId xmlns:a16="http://schemas.microsoft.com/office/drawing/2014/main" xmlns="" id="{46C4EFCF-37C6-4BF4-8CE5-7F55B3A7E156}"/>
               </a:ext>
             </a:extLst>
           </p:cNvPr>
@@ -1664,7 +1664,7 @@
           <p:cNvPr id="5" name="Text Placeholder 4">
             <a:extLst>
               <a:ext uri="{FF2B5EF4-FFF2-40B4-BE49-F238E27FC236}">
-                <a16:creationId xmlns:a16="http://schemas.microsoft.com/office/drawing/2014/main" id="{28798ACB-2234-4079-9623-87021C28E192}"/>
+                <a16:creationId xmlns:a16="http://schemas.microsoft.com/office/drawing/2014/main" xmlns="" id="{28798ACB-2234-4079-9623-87021C28E192}"/>
               </a:ext>
             </a:extLst>
           </p:cNvPr>
@@ -1735,7 +1735,7 @@
           <p:cNvPr id="6" name="Content Placeholder 5">
             <a:extLst>
               <a:ext uri="{FF2B5EF4-FFF2-40B4-BE49-F238E27FC236}">
-                <a16:creationId xmlns:a16="http://schemas.microsoft.com/office/drawing/2014/main" id="{71E66E3F-DC9F-45BB-9BC4-9083669FFAB2}"/>
+                <a16:creationId xmlns:a16="http://schemas.microsoft.com/office/drawing/2014/main" xmlns="" id="{71E66E3F-DC9F-45BB-9BC4-9083669FFAB2}"/>
               </a:ext>
             </a:extLst>
           </p:cNvPr>
@@ -1797,7 +1797,7 @@
           <p:cNvPr id="7" name="Date Placeholder 6">
             <a:extLst>
               <a:ext uri="{FF2B5EF4-FFF2-40B4-BE49-F238E27FC236}">
-                <a16:creationId xmlns:a16="http://schemas.microsoft.com/office/drawing/2014/main" id="{1C5A7D2C-B362-40F9-98B1-F0B35C8AAD81}"/>
+                <a16:creationId xmlns:a16="http://schemas.microsoft.com/office/drawing/2014/main" xmlns="" id="{1C5A7D2C-B362-40F9-98B1-F0B35C8AAD81}"/>
               </a:ext>
             </a:extLst>
           </p:cNvPr>
@@ -1815,7 +1815,7 @@
           <a:p>
             <a:fld id="{00913632-2DD1-4795-B4E2-ED79D20560CD}" type="datetimeFigureOut">
               <a:rPr lang="en-US" smtClean="0"/>
-              <a:t>11/3/2020</a:t>
+              <a:t>11/6/2020</a:t>
             </a:fld>
             <a:endParaRPr lang="en-US"/>
           </a:p>
@@ -1826,7 +1826,7 @@
           <p:cNvPr id="8" name="Footer Placeholder 7">
             <a:extLst>
               <a:ext uri="{FF2B5EF4-FFF2-40B4-BE49-F238E27FC236}">
-                <a16:creationId xmlns:a16="http://schemas.microsoft.com/office/drawing/2014/main" id="{EC2A94FC-C075-4028-A260-C902B56389AD}"/>
+                <a16:creationId xmlns:a16="http://schemas.microsoft.com/office/drawing/2014/main" xmlns="" id="{EC2A94FC-C075-4028-A260-C902B56389AD}"/>
               </a:ext>
             </a:extLst>
           </p:cNvPr>
@@ -1851,7 +1851,7 @@
           <p:cNvPr id="9" name="Slide Number Placeholder 8">
             <a:extLst>
               <a:ext uri="{FF2B5EF4-FFF2-40B4-BE49-F238E27FC236}">
-                <a16:creationId xmlns:a16="http://schemas.microsoft.com/office/drawing/2014/main" id="{B10464E5-1722-401C-A94F-17D0A0D143CB}"/>
+                <a16:creationId xmlns:a16="http://schemas.microsoft.com/office/drawing/2014/main" xmlns="" id="{B10464E5-1722-401C-A94F-17D0A0D143CB}"/>
               </a:ext>
             </a:extLst>
           </p:cNvPr>
@@ -1910,7 +1910,7 @@
           <p:cNvPr id="2" name="Title 1">
             <a:extLst>
               <a:ext uri="{FF2B5EF4-FFF2-40B4-BE49-F238E27FC236}">
-                <a16:creationId xmlns:a16="http://schemas.microsoft.com/office/drawing/2014/main" id="{DCC66407-C914-4D35-802E-69244C0D1B9D}"/>
+                <a16:creationId xmlns:a16="http://schemas.microsoft.com/office/drawing/2014/main" xmlns="" id="{DCC66407-C914-4D35-802E-69244C0D1B9D}"/>
               </a:ext>
             </a:extLst>
           </p:cNvPr>
@@ -1938,7 +1938,7 @@
           <p:cNvPr id="3" name="Date Placeholder 2">
             <a:extLst>
               <a:ext uri="{FF2B5EF4-FFF2-40B4-BE49-F238E27FC236}">
-                <a16:creationId xmlns:a16="http://schemas.microsoft.com/office/drawing/2014/main" id="{BDC316E0-0E2C-4D79-9DAB-EDE89E35244D}"/>
+                <a16:creationId xmlns:a16="http://schemas.microsoft.com/office/drawing/2014/main" xmlns="" id="{BDC316E0-0E2C-4D79-9DAB-EDE89E35244D}"/>
               </a:ext>
             </a:extLst>
           </p:cNvPr>
@@ -1956,7 +1956,7 @@
           <a:p>
             <a:fld id="{00913632-2DD1-4795-B4E2-ED79D20560CD}" type="datetimeFigureOut">
               <a:rPr lang="en-US" smtClean="0"/>
-              <a:t>11/3/2020</a:t>
+              <a:t>11/6/2020</a:t>
             </a:fld>
             <a:endParaRPr lang="en-US"/>
           </a:p>
@@ -1967,7 +1967,7 @@
           <p:cNvPr id="4" name="Footer Placeholder 3">
             <a:extLst>
               <a:ext uri="{FF2B5EF4-FFF2-40B4-BE49-F238E27FC236}">
-                <a16:creationId xmlns:a16="http://schemas.microsoft.com/office/drawing/2014/main" id="{5CF62A1D-700E-48B6-A9FC-F7AA05D26EDB}"/>
+                <a16:creationId xmlns:a16="http://schemas.microsoft.com/office/drawing/2014/main" xmlns="" id="{5CF62A1D-700E-48B6-A9FC-F7AA05D26EDB}"/>
               </a:ext>
             </a:extLst>
           </p:cNvPr>
@@ -1992,7 +1992,7 @@
           <p:cNvPr id="5" name="Slide Number Placeholder 4">
             <a:extLst>
               <a:ext uri="{FF2B5EF4-FFF2-40B4-BE49-F238E27FC236}">
-                <a16:creationId xmlns:a16="http://schemas.microsoft.com/office/drawing/2014/main" id="{411F4A74-9C03-4732-A7F3-65AC2CA3BF41}"/>
+                <a16:creationId xmlns:a16="http://schemas.microsoft.com/office/drawing/2014/main" xmlns="" id="{411F4A74-9C03-4732-A7F3-65AC2CA3BF41}"/>
               </a:ext>
             </a:extLst>
           </p:cNvPr>
@@ -2051,7 +2051,7 @@
           <p:cNvPr id="2" name="Date Placeholder 1">
             <a:extLst>
               <a:ext uri="{FF2B5EF4-FFF2-40B4-BE49-F238E27FC236}">
-                <a16:creationId xmlns:a16="http://schemas.microsoft.com/office/drawing/2014/main" id="{2422EDE0-CDCD-4607-9FA6-B10CC191CCFD}"/>
+                <a16:creationId xmlns:a16="http://schemas.microsoft.com/office/drawing/2014/main" xmlns="" id="{2422EDE0-CDCD-4607-9FA6-B10CC191CCFD}"/>
               </a:ext>
             </a:extLst>
           </p:cNvPr>
@@ -2069,7 +2069,7 @@
           <a:p>
             <a:fld id="{00913632-2DD1-4795-B4E2-ED79D20560CD}" type="datetimeFigureOut">
               <a:rPr lang="en-US" smtClean="0"/>
-              <a:t>11/3/2020</a:t>
+              <a:t>11/6/2020</a:t>
             </a:fld>
             <a:endParaRPr lang="en-US"/>
           </a:p>
@@ -2080,7 +2080,7 @@
           <p:cNvPr id="3" name="Footer Placeholder 2">
             <a:extLst>
               <a:ext uri="{FF2B5EF4-FFF2-40B4-BE49-F238E27FC236}">
-                <a16:creationId xmlns:a16="http://schemas.microsoft.com/office/drawing/2014/main" id="{45218795-C99B-438C-8293-CBE25769C880}"/>
+                <a16:creationId xmlns:a16="http://schemas.microsoft.com/office/drawing/2014/main" xmlns="" id="{45218795-C99B-438C-8293-CBE25769C880}"/>
               </a:ext>
             </a:extLst>
           </p:cNvPr>
@@ -2105,7 +2105,7 @@
           <p:cNvPr id="4" name="Slide Number Placeholder 3">
             <a:extLst>
               <a:ext uri="{FF2B5EF4-FFF2-40B4-BE49-F238E27FC236}">
-                <a16:creationId xmlns:a16="http://schemas.microsoft.com/office/drawing/2014/main" id="{12D5AF33-89E3-420F-B80D-172DFA2A9C63}"/>
+                <a16:creationId xmlns:a16="http://schemas.microsoft.com/office/drawing/2014/main" xmlns="" id="{12D5AF33-89E3-420F-B80D-172DFA2A9C63}"/>
               </a:ext>
             </a:extLst>
           </p:cNvPr>
@@ -2164,7 +2164,7 @@
           <p:cNvPr id="2" name="Title 1">
             <a:extLst>
               <a:ext uri="{FF2B5EF4-FFF2-40B4-BE49-F238E27FC236}">
-                <a16:creationId xmlns:a16="http://schemas.microsoft.com/office/drawing/2014/main" id="{23BBD327-761C-4C5A-B676-9B2FE3CDA055}"/>
+                <a16:creationId xmlns:a16="http://schemas.microsoft.com/office/drawing/2014/main" xmlns="" id="{23BBD327-761C-4C5A-B676-9B2FE3CDA055}"/>
               </a:ext>
             </a:extLst>
           </p:cNvPr>
@@ -2201,7 +2201,7 @@
           <p:cNvPr id="3" name="Content Placeholder 2">
             <a:extLst>
               <a:ext uri="{FF2B5EF4-FFF2-40B4-BE49-F238E27FC236}">
-                <a16:creationId xmlns:a16="http://schemas.microsoft.com/office/drawing/2014/main" id="{923E95E9-207C-41DE-B180-EC382FCF668D}"/>
+                <a16:creationId xmlns:a16="http://schemas.microsoft.com/office/drawing/2014/main" xmlns="" id="{923E95E9-207C-41DE-B180-EC382FCF668D}"/>
               </a:ext>
             </a:extLst>
           </p:cNvPr>
@@ -2291,7 +2291,7 @@
           <p:cNvPr id="4" name="Text Placeholder 3">
             <a:extLst>
               <a:ext uri="{FF2B5EF4-FFF2-40B4-BE49-F238E27FC236}">
-                <a16:creationId xmlns:a16="http://schemas.microsoft.com/office/drawing/2014/main" id="{B1CB7835-8A01-4696-BC65-CFAFF9769D46}"/>
+                <a16:creationId xmlns:a16="http://schemas.microsoft.com/office/drawing/2014/main" xmlns="" id="{B1CB7835-8A01-4696-BC65-CFAFF9769D46}"/>
               </a:ext>
             </a:extLst>
           </p:cNvPr>
@@ -2362,7 +2362,7 @@
           <p:cNvPr id="5" name="Date Placeholder 4">
             <a:extLst>
               <a:ext uri="{FF2B5EF4-FFF2-40B4-BE49-F238E27FC236}">
-                <a16:creationId xmlns:a16="http://schemas.microsoft.com/office/drawing/2014/main" id="{7EA0C58C-DD35-4952-9BD9-16FA91479101}"/>
+                <a16:creationId xmlns:a16="http://schemas.microsoft.com/office/drawing/2014/main" xmlns="" id="{7EA0C58C-DD35-4952-9BD9-16FA91479101}"/>
               </a:ext>
             </a:extLst>
           </p:cNvPr>
@@ -2380,7 +2380,7 @@
           <a:p>
             <a:fld id="{00913632-2DD1-4795-B4E2-ED79D20560CD}" type="datetimeFigureOut">
               <a:rPr lang="en-US" smtClean="0"/>
-              <a:t>11/3/2020</a:t>
+              <a:t>11/6/2020</a:t>
             </a:fld>
             <a:endParaRPr lang="en-US"/>
           </a:p>
@@ -2391,7 +2391,7 @@
           <p:cNvPr id="6" name="Footer Placeholder 5">
             <a:extLst>
               <a:ext uri="{FF2B5EF4-FFF2-40B4-BE49-F238E27FC236}">
-                <a16:creationId xmlns:a16="http://schemas.microsoft.com/office/drawing/2014/main" id="{B4741221-9E5D-4813-BF36-292D6400968A}"/>
+                <a16:creationId xmlns:a16="http://schemas.microsoft.com/office/drawing/2014/main" xmlns="" id="{B4741221-9E5D-4813-BF36-292D6400968A}"/>
               </a:ext>
             </a:extLst>
           </p:cNvPr>
@@ -2416,7 +2416,7 @@
           <p:cNvPr id="7" name="Slide Number Placeholder 6">
             <a:extLst>
               <a:ext uri="{FF2B5EF4-FFF2-40B4-BE49-F238E27FC236}">
-                <a16:creationId xmlns:a16="http://schemas.microsoft.com/office/drawing/2014/main" id="{02A5CC85-2591-45CA-92FA-9038ABB71829}"/>
+                <a16:creationId xmlns:a16="http://schemas.microsoft.com/office/drawing/2014/main" xmlns="" id="{02A5CC85-2591-45CA-92FA-9038ABB71829}"/>
               </a:ext>
             </a:extLst>
           </p:cNvPr>
@@ -2475,7 +2475,7 @@
           <p:cNvPr id="2" name="Title 1">
             <a:extLst>
               <a:ext uri="{FF2B5EF4-FFF2-40B4-BE49-F238E27FC236}">
-                <a16:creationId xmlns:a16="http://schemas.microsoft.com/office/drawing/2014/main" id="{E450DAE2-8226-46F4-A0D0-8DF322CDF8BA}"/>
+                <a16:creationId xmlns:a16="http://schemas.microsoft.com/office/drawing/2014/main" xmlns="" id="{E450DAE2-8226-46F4-A0D0-8DF322CDF8BA}"/>
               </a:ext>
             </a:extLst>
           </p:cNvPr>
@@ -2512,7 +2512,7 @@
           <p:cNvPr id="3" name="Picture Placeholder 2">
             <a:extLst>
               <a:ext uri="{FF2B5EF4-FFF2-40B4-BE49-F238E27FC236}">
-                <a16:creationId xmlns:a16="http://schemas.microsoft.com/office/drawing/2014/main" id="{416C7C58-144B-4144-B4AE-FDAFFAF71B57}"/>
+                <a16:creationId xmlns:a16="http://schemas.microsoft.com/office/drawing/2014/main" xmlns="" id="{416C7C58-144B-4144-B4AE-FDAFFAF71B57}"/>
               </a:ext>
             </a:extLst>
           </p:cNvPr>
@@ -2579,7 +2579,7 @@
           <p:cNvPr id="4" name="Text Placeholder 3">
             <a:extLst>
               <a:ext uri="{FF2B5EF4-FFF2-40B4-BE49-F238E27FC236}">
-                <a16:creationId xmlns:a16="http://schemas.microsoft.com/office/drawing/2014/main" id="{B1148904-C172-4AF4-8930-55354069A338}"/>
+                <a16:creationId xmlns:a16="http://schemas.microsoft.com/office/drawing/2014/main" xmlns="" id="{B1148904-C172-4AF4-8930-55354069A338}"/>
               </a:ext>
             </a:extLst>
           </p:cNvPr>
@@ -2650,7 +2650,7 @@
           <p:cNvPr id="5" name="Date Placeholder 4">
             <a:extLst>
               <a:ext uri="{FF2B5EF4-FFF2-40B4-BE49-F238E27FC236}">
-                <a16:creationId xmlns:a16="http://schemas.microsoft.com/office/drawing/2014/main" id="{BDBD3FE9-2085-4511-92AA-09CD1D5D1987}"/>
+                <a16:creationId xmlns:a16="http://schemas.microsoft.com/office/drawing/2014/main" xmlns="" id="{BDBD3FE9-2085-4511-92AA-09CD1D5D1987}"/>
               </a:ext>
             </a:extLst>
           </p:cNvPr>
@@ -2668,7 +2668,7 @@
           <a:p>
             <a:fld id="{00913632-2DD1-4795-B4E2-ED79D20560CD}" type="datetimeFigureOut">
               <a:rPr lang="en-US" smtClean="0"/>
-              <a:t>11/3/2020</a:t>
+              <a:t>11/6/2020</a:t>
             </a:fld>
             <a:endParaRPr lang="en-US"/>
           </a:p>
@@ -2679,7 +2679,7 @@
           <p:cNvPr id="6" name="Footer Placeholder 5">
             <a:extLst>
               <a:ext uri="{FF2B5EF4-FFF2-40B4-BE49-F238E27FC236}">
-                <a16:creationId xmlns:a16="http://schemas.microsoft.com/office/drawing/2014/main" id="{278DD2D3-CCD3-484A-B19C-C755F4274492}"/>
+                <a16:creationId xmlns:a16="http://schemas.microsoft.com/office/drawing/2014/main" xmlns="" id="{278DD2D3-CCD3-484A-B19C-C755F4274492}"/>
               </a:ext>
             </a:extLst>
           </p:cNvPr>
@@ -2704,7 +2704,7 @@
           <p:cNvPr id="7" name="Slide Number Placeholder 6">
             <a:extLst>
               <a:ext uri="{FF2B5EF4-FFF2-40B4-BE49-F238E27FC236}">
-                <a16:creationId xmlns:a16="http://schemas.microsoft.com/office/drawing/2014/main" id="{8901E1DD-686E-45EC-84F4-A1F36C5CB8F7}"/>
+                <a16:creationId xmlns:a16="http://schemas.microsoft.com/office/drawing/2014/main" xmlns="" id="{8901E1DD-686E-45EC-84F4-A1F36C5CB8F7}"/>
               </a:ext>
             </a:extLst>
           </p:cNvPr>
@@ -2768,7 +2768,7 @@
           <p:cNvPr id="2" name="Title Placeholder 1">
             <a:extLst>
               <a:ext uri="{FF2B5EF4-FFF2-40B4-BE49-F238E27FC236}">
-                <a16:creationId xmlns:a16="http://schemas.microsoft.com/office/drawing/2014/main" id="{3234C071-99BB-495C-BA33-851B93BBF68A}"/>
+                <a16:creationId xmlns:a16="http://schemas.microsoft.com/office/drawing/2014/main" xmlns="" id="{3234C071-99BB-495C-BA33-851B93BBF68A}"/>
               </a:ext>
             </a:extLst>
           </p:cNvPr>
@@ -2806,7 +2806,7 @@
           <p:cNvPr id="3" name="Text Placeholder 2">
             <a:extLst>
               <a:ext uri="{FF2B5EF4-FFF2-40B4-BE49-F238E27FC236}">
-                <a16:creationId xmlns:a16="http://schemas.microsoft.com/office/drawing/2014/main" id="{095EE495-389B-4A61-A6D2-F9D9790CD7AD}"/>
+                <a16:creationId xmlns:a16="http://schemas.microsoft.com/office/drawing/2014/main" xmlns="" id="{095EE495-389B-4A61-A6D2-F9D9790CD7AD}"/>
               </a:ext>
             </a:extLst>
           </p:cNvPr>
@@ -2873,7 +2873,7 @@
           <p:cNvPr id="4" name="Date Placeholder 3">
             <a:extLst>
               <a:ext uri="{FF2B5EF4-FFF2-40B4-BE49-F238E27FC236}">
-                <a16:creationId xmlns:a16="http://schemas.microsoft.com/office/drawing/2014/main" id="{95A495D6-66B8-4474-960E-C27E25CF4F93}"/>
+                <a16:creationId xmlns:a16="http://schemas.microsoft.com/office/drawing/2014/main" xmlns="" id="{95A495D6-66B8-4474-960E-C27E25CF4F93}"/>
               </a:ext>
             </a:extLst>
           </p:cNvPr>
@@ -2909,7 +2909,7 @@
           <a:p>
             <a:fld id="{00913632-2DD1-4795-B4E2-ED79D20560CD}" type="datetimeFigureOut">
               <a:rPr lang="en-US" smtClean="0"/>
-              <a:t>11/3/2020</a:t>
+              <a:t>11/6/2020</a:t>
             </a:fld>
             <a:endParaRPr lang="en-US"/>
           </a:p>
@@ -2920,7 +2920,7 @@
           <p:cNvPr id="5" name="Footer Placeholder 4">
             <a:extLst>
               <a:ext uri="{FF2B5EF4-FFF2-40B4-BE49-F238E27FC236}">
-                <a16:creationId xmlns:a16="http://schemas.microsoft.com/office/drawing/2014/main" id="{E1CCF5A3-8E04-426C-BEC9-D46A91145A5B}"/>
+                <a16:creationId xmlns:a16="http://schemas.microsoft.com/office/drawing/2014/main" xmlns="" id="{E1CCF5A3-8E04-426C-BEC9-D46A91145A5B}"/>
               </a:ext>
             </a:extLst>
           </p:cNvPr>
@@ -2963,7 +2963,7 @@
           <p:cNvPr id="6" name="Slide Number Placeholder 5">
             <a:extLst>
               <a:ext uri="{FF2B5EF4-FFF2-40B4-BE49-F238E27FC236}">
-                <a16:creationId xmlns:a16="http://schemas.microsoft.com/office/drawing/2014/main" id="{2DB31E3D-3795-4FD4-9A63-0A7A7216389F}"/>
+                <a16:creationId xmlns:a16="http://schemas.microsoft.com/office/drawing/2014/main" xmlns="" id="{2DB31E3D-3795-4FD4-9A63-0A7A7216389F}"/>
               </a:ext>
             </a:extLst>
           </p:cNvPr>
@@ -3328,10 +3328,10 @@
       </p:grpSpPr>
       <p:sp>
         <p:nvSpPr>
-          <p:cNvPr id="4" name="Rectangle 3">
-            <a:extLst>
-              <a:ext uri="{FF2B5EF4-FFF2-40B4-BE49-F238E27FC236}">
-                <a16:creationId xmlns:a16="http://schemas.microsoft.com/office/drawing/2014/main" id="{5BA6279C-3CCC-4316-A38B-3D386CD714A2}"/>
+          <p:cNvPr id="34" name="Circle">
+            <a:extLst>
+              <a:ext uri="{FF2B5EF4-FFF2-40B4-BE49-F238E27FC236}">
+                <a16:creationId xmlns="" xmlns:a16="http://schemas.microsoft.com/office/drawing/2014/main" id="{3C996158-691C-4062-8151-DE186CE59366}"/>
               </a:ext>
             </a:extLst>
           </p:cNvPr>
@@ -3340,264 +3340,18 @@
         </p:nvSpPr>
         <p:spPr>
           <a:xfrm>
-            <a:off x="2159083" y="243683"/>
-            <a:ext cx="2156360" cy="461665"/>
-          </a:xfrm>
-          <a:prstGeom prst="rect">
-            <a:avLst/>
-          </a:prstGeom>
-        </p:spPr>
-        <p:txBody>
-          <a:bodyPr wrap="none">
-            <a:spAutoFit/>
-          </a:bodyPr>
-          <a:lstStyle/>
-          <a:p>
-            <a:r>
-              <a:rPr lang="en-AU" sz="2400" dirty="0">
-                <a:latin typeface="Times New Roman" panose="02020603050405020304" pitchFamily="18" charset="0"/>
-                <a:cs typeface="Times New Roman" panose="02020603050405020304" pitchFamily="18" charset="0"/>
-              </a:rPr>
-              <a:t>Adaptation load</a:t>
-            </a:r>
-            <a:endParaRPr lang="en-US" sz="2400" dirty="0">
-              <a:latin typeface="Times New Roman" panose="02020603050405020304" pitchFamily="18" charset="0"/>
-              <a:cs typeface="Times New Roman" panose="02020603050405020304" pitchFamily="18" charset="0"/>
-            </a:endParaRPr>
-          </a:p>
-        </p:txBody>
-      </p:sp>
-      <p:sp>
-        <p:nvSpPr>
-          <p:cNvPr id="5" name="Circle">
-            <a:extLst>
-              <a:ext uri="{FF2B5EF4-FFF2-40B4-BE49-F238E27FC236}">
-                <a16:creationId xmlns:a16="http://schemas.microsoft.com/office/drawing/2014/main" id="{58B09903-E371-473B-890E-108EF2FCEE9D}"/>
-              </a:ext>
-            </a:extLst>
-          </p:cNvPr>
-          <p:cNvSpPr/>
-          <p:nvPr/>
-        </p:nvSpPr>
-        <p:spPr>
-          <a:xfrm>
-            <a:off x="774179" y="1025210"/>
-            <a:ext cx="5038115" cy="5038115"/>
+            <a:off x="6332318" y="3676811"/>
+            <a:ext cx="254995" cy="254995"/>
           </a:xfrm>
           <a:prstGeom prst="ellipse">
             <a:avLst/>
           </a:prstGeom>
           <a:solidFill>
-            <a:srgbClr val="EBEBEB"/>
+            <a:srgbClr val="7EBEDE"/>
           </a:solidFill>
           <a:ln w="12700">
             <a:solidFill>
-              <a:srgbClr val="000000"/>
-            </a:solidFill>
-            <a:miter lim="400000"/>
-          </a:ln>
-        </p:spPr>
-        <p:txBody>
-          <a:bodyPr lIns="50800" tIns="50800" rIns="50800" bIns="50800" anchor="ctr"/>
-          <a:lstStyle/>
-          <a:p>
-            <a:pPr>
-              <a:lnSpc>
-                <a:spcPct val="120000"/>
-              </a:lnSpc>
-              <a:defRPr sz="3000" cap="all">
-                <a:solidFill>
-                  <a:srgbClr val="FFFFFF"/>
-                </a:solidFill>
-                <a:latin typeface="Proxima Nova Extrabold"/>
-                <a:ea typeface="Proxima Nova Extrabold"/>
-                <a:cs typeface="Proxima Nova Extrabold"/>
-                <a:sym typeface="Proxima Nova Extrabold"/>
-              </a:defRPr>
-            </a:pPr>
-            <a:endParaRPr/>
-          </a:p>
-        </p:txBody>
-      </p:sp>
-      <p:sp>
-        <p:nvSpPr>
-          <p:cNvPr id="6" name="Circle">
-            <a:extLst>
-              <a:ext uri="{FF2B5EF4-FFF2-40B4-BE49-F238E27FC236}">
-                <a16:creationId xmlns:a16="http://schemas.microsoft.com/office/drawing/2014/main" id="{56FA6BAA-0BDD-430A-80BD-19F6AFECD920}"/>
-              </a:ext>
-            </a:extLst>
-          </p:cNvPr>
-          <p:cNvSpPr/>
-          <p:nvPr/>
-        </p:nvSpPr>
-        <p:spPr>
-          <a:xfrm>
-            <a:off x="2084488" y="1839763"/>
-            <a:ext cx="3409009" cy="3409008"/>
-          </a:xfrm>
-          <a:prstGeom prst="ellipse">
-            <a:avLst/>
-          </a:prstGeom>
-          <a:solidFill>
-            <a:srgbClr val="929292"/>
-          </a:solidFill>
-          <a:ln w="12700">
-            <a:solidFill>
-              <a:srgbClr val="000000"/>
-            </a:solidFill>
-            <a:miter lim="400000"/>
-          </a:ln>
-        </p:spPr>
-        <p:txBody>
-          <a:bodyPr lIns="50800" tIns="50800" rIns="50800" bIns="50800" anchor="ctr"/>
-          <a:lstStyle/>
-          <a:p>
-            <a:pPr>
-              <a:lnSpc>
-                <a:spcPct val="120000"/>
-              </a:lnSpc>
-              <a:defRPr sz="3000" cap="all">
-                <a:solidFill>
-                  <a:srgbClr val="FFFFFF"/>
-                </a:solidFill>
-                <a:latin typeface="Proxima Nova Extrabold"/>
-                <a:ea typeface="Proxima Nova Extrabold"/>
-                <a:cs typeface="Proxima Nova Extrabold"/>
-                <a:sym typeface="Proxima Nova Extrabold"/>
-              </a:defRPr>
-            </a:pPr>
-            <a:endParaRPr/>
-          </a:p>
-        </p:txBody>
-      </p:sp>
-      <p:sp>
-        <p:nvSpPr>
-          <p:cNvPr id="7" name="Circle">
-            <a:extLst>
-              <a:ext uri="{FF2B5EF4-FFF2-40B4-BE49-F238E27FC236}">
-                <a16:creationId xmlns:a16="http://schemas.microsoft.com/office/drawing/2014/main" id="{0D90869C-1C9F-4966-8B64-02CAC54C0D70}"/>
-              </a:ext>
-            </a:extLst>
-          </p:cNvPr>
-          <p:cNvSpPr/>
-          <p:nvPr/>
-        </p:nvSpPr>
-        <p:spPr>
-          <a:xfrm>
-            <a:off x="3108214" y="2181636"/>
-            <a:ext cx="2196484" cy="2196485"/>
-          </a:xfrm>
-          <a:prstGeom prst="ellipse">
-            <a:avLst/>
-          </a:prstGeom>
-          <a:solidFill>
-            <a:srgbClr val="5E5E5E"/>
-          </a:solidFill>
-          <a:ln w="12700">
-            <a:solidFill>
-              <a:srgbClr val="000000"/>
-            </a:solidFill>
-            <a:miter lim="400000"/>
-          </a:ln>
-        </p:spPr>
-        <p:txBody>
-          <a:bodyPr lIns="50800" tIns="50800" rIns="50800" bIns="50800" anchor="ctr"/>
-          <a:lstStyle/>
-          <a:p>
-            <a:pPr>
-              <a:lnSpc>
-                <a:spcPct val="120000"/>
-              </a:lnSpc>
-              <a:defRPr sz="3000" cap="all">
-                <a:solidFill>
-                  <a:srgbClr val="FFFFFF"/>
-                </a:solidFill>
-                <a:latin typeface="Proxima Nova Extrabold"/>
-                <a:ea typeface="Proxima Nova Extrabold"/>
-                <a:cs typeface="Proxima Nova Extrabold"/>
-                <a:sym typeface="Proxima Nova Extrabold"/>
-              </a:defRPr>
-            </a:pPr>
-            <a:endParaRPr/>
-          </a:p>
-        </p:txBody>
-      </p:sp>
-      <p:sp>
-        <p:nvSpPr>
-          <p:cNvPr id="8" name="Rectangle">
-            <a:extLst>
-              <a:ext uri="{FF2B5EF4-FFF2-40B4-BE49-F238E27FC236}">
-                <a16:creationId xmlns:a16="http://schemas.microsoft.com/office/drawing/2014/main" id="{8958FECA-F5A5-4E11-A7A5-18EAA0FE5A33}"/>
-              </a:ext>
-            </a:extLst>
-          </p:cNvPr>
-          <p:cNvSpPr/>
-          <p:nvPr/>
-        </p:nvSpPr>
-        <p:spPr>
-          <a:xfrm>
-            <a:off x="774179" y="952430"/>
-            <a:ext cx="5038115" cy="5183675"/>
-          </a:xfrm>
-          <a:prstGeom prst="rect">
-            <a:avLst/>
-          </a:prstGeom>
-          <a:ln w="12700">
-            <a:solidFill>
-              <a:srgbClr val="000000"/>
-            </a:solidFill>
-            <a:miter lim="400000"/>
-          </a:ln>
-        </p:spPr>
-        <p:txBody>
-          <a:bodyPr lIns="50800" tIns="50800" rIns="50800" bIns="50800" anchor="ctr"/>
-          <a:lstStyle/>
-          <a:p>
-            <a:pPr>
-              <a:lnSpc>
-                <a:spcPct val="120000"/>
-              </a:lnSpc>
-              <a:defRPr sz="3000" cap="all">
-                <a:solidFill>
-                  <a:srgbClr val="FFFFFF"/>
-                </a:solidFill>
-                <a:latin typeface="Proxima Nova Extrabold"/>
-                <a:ea typeface="Proxima Nova Extrabold"/>
-                <a:cs typeface="Proxima Nova Extrabold"/>
-                <a:sym typeface="Proxima Nova Extrabold"/>
-              </a:defRPr>
-            </a:pPr>
-            <a:endParaRPr/>
-          </a:p>
-        </p:txBody>
-      </p:sp>
-      <p:sp>
-        <p:nvSpPr>
-          <p:cNvPr id="9" name="Circle">
-            <a:extLst>
-              <a:ext uri="{FF2B5EF4-FFF2-40B4-BE49-F238E27FC236}">
-                <a16:creationId xmlns:a16="http://schemas.microsoft.com/office/drawing/2014/main" id="{2CE4DF51-CF44-43C7-99A9-80365F94AD7E}"/>
-              </a:ext>
-            </a:extLst>
-          </p:cNvPr>
-          <p:cNvSpPr/>
-          <p:nvPr/>
-        </p:nvSpPr>
-        <p:spPr>
-          <a:xfrm>
-            <a:off x="4174340" y="2699492"/>
-            <a:ext cx="922893" cy="922893"/>
-          </a:xfrm>
-          <a:prstGeom prst="ellipse">
-            <a:avLst/>
-          </a:prstGeom>
-          <a:solidFill>
-            <a:srgbClr val="000000"/>
-          </a:solidFill>
-          <a:ln w="12700">
-            <a:solidFill>
-              <a:srgbClr val="000000"/>
+              <a:schemeClr val="tx1"/>
             </a:solidFill>
             <a:miter lim="400000"/>
           </a:ln>
@@ -3630,10 +3384,10 @@
       </p:sp>
       <p:sp>
         <p:nvSpPr>
-          <p:cNvPr id="10" name="Circle">
-            <a:extLst>
-              <a:ext uri="{FF2B5EF4-FFF2-40B4-BE49-F238E27FC236}">
-                <a16:creationId xmlns:a16="http://schemas.microsoft.com/office/drawing/2014/main" id="{8A9BBC3B-63C0-4C5C-9210-33A0F1A013F8}"/>
+          <p:cNvPr id="4" name="Rectangle 3">
+            <a:extLst>
+              <a:ext uri="{FF2B5EF4-FFF2-40B4-BE49-F238E27FC236}">
+                <a16:creationId xmlns:a16="http://schemas.microsoft.com/office/drawing/2014/main" xmlns="" id="{5BA6279C-3CCC-4316-A38B-3D386CD714A2}"/>
               </a:ext>
             </a:extLst>
           </p:cNvPr>
@@ -3642,21 +3396,264 @@
         </p:nvSpPr>
         <p:spPr>
           <a:xfrm>
-            <a:off x="4508289" y="3033441"/>
-            <a:ext cx="254995" cy="254995"/>
+            <a:off x="2159083" y="243683"/>
+            <a:ext cx="2156360" cy="461665"/>
+          </a:xfrm>
+          <a:prstGeom prst="rect">
+            <a:avLst/>
+          </a:prstGeom>
+        </p:spPr>
+        <p:txBody>
+          <a:bodyPr wrap="none">
+            <a:spAutoFit/>
+          </a:bodyPr>
+          <a:lstStyle/>
+          <a:p>
+            <a:r>
+              <a:rPr lang="en-AU" sz="2400" dirty="0">
+                <a:latin typeface="Times New Roman" panose="02020603050405020304" pitchFamily="18" charset="0"/>
+                <a:cs typeface="Times New Roman" panose="02020603050405020304" pitchFamily="18" charset="0"/>
+              </a:rPr>
+              <a:t>Adaptation load</a:t>
+            </a:r>
+            <a:endParaRPr lang="en-US" sz="2400" dirty="0">
+              <a:latin typeface="Times New Roman" panose="02020603050405020304" pitchFamily="18" charset="0"/>
+              <a:cs typeface="Times New Roman" panose="02020603050405020304" pitchFamily="18" charset="0"/>
+            </a:endParaRPr>
+          </a:p>
+        </p:txBody>
+      </p:sp>
+      <p:sp>
+        <p:nvSpPr>
+          <p:cNvPr id="5" name="Circle">
+            <a:extLst>
+              <a:ext uri="{FF2B5EF4-FFF2-40B4-BE49-F238E27FC236}">
+                <a16:creationId xmlns:a16="http://schemas.microsoft.com/office/drawing/2014/main" xmlns="" id="{58B09903-E371-473B-890E-108EF2FCEE9D}"/>
+              </a:ext>
+            </a:extLst>
+          </p:cNvPr>
+          <p:cNvSpPr/>
+          <p:nvPr/>
+        </p:nvSpPr>
+        <p:spPr>
+          <a:xfrm>
+            <a:off x="774179" y="1025210"/>
+            <a:ext cx="5038115" cy="5038115"/>
           </a:xfrm>
           <a:prstGeom prst="ellipse">
             <a:avLst/>
           </a:prstGeom>
           <a:solidFill>
-            <a:schemeClr val="accent5">
-              <a:hueOff val="-482677"/>
-              <a:lumOff val="-10796"/>
-            </a:schemeClr>
+            <a:srgbClr val="EBEBEB"/>
           </a:solidFill>
           <a:ln w="12700">
             <a:solidFill>
-              <a:schemeClr val="tx1"/>
+              <a:srgbClr val="000000"/>
+            </a:solidFill>
+            <a:miter lim="400000"/>
+          </a:ln>
+        </p:spPr>
+        <p:txBody>
+          <a:bodyPr lIns="50800" tIns="50800" rIns="50800" bIns="50800" anchor="ctr"/>
+          <a:lstStyle/>
+          <a:p>
+            <a:pPr>
+              <a:lnSpc>
+                <a:spcPct val="120000"/>
+              </a:lnSpc>
+              <a:defRPr sz="3000" cap="all">
+                <a:solidFill>
+                  <a:srgbClr val="FFFFFF"/>
+                </a:solidFill>
+                <a:latin typeface="Proxima Nova Extrabold"/>
+                <a:ea typeface="Proxima Nova Extrabold"/>
+                <a:cs typeface="Proxima Nova Extrabold"/>
+                <a:sym typeface="Proxima Nova Extrabold"/>
+              </a:defRPr>
+            </a:pPr>
+            <a:endParaRPr/>
+          </a:p>
+        </p:txBody>
+      </p:sp>
+      <p:sp>
+        <p:nvSpPr>
+          <p:cNvPr id="6" name="Circle">
+            <a:extLst>
+              <a:ext uri="{FF2B5EF4-FFF2-40B4-BE49-F238E27FC236}">
+                <a16:creationId xmlns:a16="http://schemas.microsoft.com/office/drawing/2014/main" xmlns="" id="{56FA6BAA-0BDD-430A-80BD-19F6AFECD920}"/>
+              </a:ext>
+            </a:extLst>
+          </p:cNvPr>
+          <p:cNvSpPr/>
+          <p:nvPr/>
+        </p:nvSpPr>
+        <p:spPr>
+          <a:xfrm>
+            <a:off x="2084488" y="1839763"/>
+            <a:ext cx="3409009" cy="3409008"/>
+          </a:xfrm>
+          <a:prstGeom prst="ellipse">
+            <a:avLst/>
+          </a:prstGeom>
+          <a:solidFill>
+            <a:srgbClr val="929292"/>
+          </a:solidFill>
+          <a:ln w="12700">
+            <a:solidFill>
+              <a:srgbClr val="000000"/>
+            </a:solidFill>
+            <a:miter lim="400000"/>
+          </a:ln>
+        </p:spPr>
+        <p:txBody>
+          <a:bodyPr lIns="50800" tIns="50800" rIns="50800" bIns="50800" anchor="ctr"/>
+          <a:lstStyle/>
+          <a:p>
+            <a:pPr>
+              <a:lnSpc>
+                <a:spcPct val="120000"/>
+              </a:lnSpc>
+              <a:defRPr sz="3000" cap="all">
+                <a:solidFill>
+                  <a:srgbClr val="FFFFFF"/>
+                </a:solidFill>
+                <a:latin typeface="Proxima Nova Extrabold"/>
+                <a:ea typeface="Proxima Nova Extrabold"/>
+                <a:cs typeface="Proxima Nova Extrabold"/>
+                <a:sym typeface="Proxima Nova Extrabold"/>
+              </a:defRPr>
+            </a:pPr>
+            <a:endParaRPr/>
+          </a:p>
+        </p:txBody>
+      </p:sp>
+      <p:sp>
+        <p:nvSpPr>
+          <p:cNvPr id="7" name="Circle">
+            <a:extLst>
+              <a:ext uri="{FF2B5EF4-FFF2-40B4-BE49-F238E27FC236}">
+                <a16:creationId xmlns:a16="http://schemas.microsoft.com/office/drawing/2014/main" xmlns="" id="{0D90869C-1C9F-4966-8B64-02CAC54C0D70}"/>
+              </a:ext>
+            </a:extLst>
+          </p:cNvPr>
+          <p:cNvSpPr/>
+          <p:nvPr/>
+        </p:nvSpPr>
+        <p:spPr>
+          <a:xfrm>
+            <a:off x="3108214" y="2181636"/>
+            <a:ext cx="2196484" cy="2196485"/>
+          </a:xfrm>
+          <a:prstGeom prst="ellipse">
+            <a:avLst/>
+          </a:prstGeom>
+          <a:solidFill>
+            <a:srgbClr val="5E5E5E"/>
+          </a:solidFill>
+          <a:ln w="12700">
+            <a:solidFill>
+              <a:srgbClr val="000000"/>
+            </a:solidFill>
+            <a:miter lim="400000"/>
+          </a:ln>
+        </p:spPr>
+        <p:txBody>
+          <a:bodyPr lIns="50800" tIns="50800" rIns="50800" bIns="50800" anchor="ctr"/>
+          <a:lstStyle/>
+          <a:p>
+            <a:pPr>
+              <a:lnSpc>
+                <a:spcPct val="120000"/>
+              </a:lnSpc>
+              <a:defRPr sz="3000" cap="all">
+                <a:solidFill>
+                  <a:srgbClr val="FFFFFF"/>
+                </a:solidFill>
+                <a:latin typeface="Proxima Nova Extrabold"/>
+                <a:ea typeface="Proxima Nova Extrabold"/>
+                <a:cs typeface="Proxima Nova Extrabold"/>
+                <a:sym typeface="Proxima Nova Extrabold"/>
+              </a:defRPr>
+            </a:pPr>
+            <a:endParaRPr/>
+          </a:p>
+        </p:txBody>
+      </p:sp>
+      <p:sp>
+        <p:nvSpPr>
+          <p:cNvPr id="8" name="Rectangle">
+            <a:extLst>
+              <a:ext uri="{FF2B5EF4-FFF2-40B4-BE49-F238E27FC236}">
+                <a16:creationId xmlns:a16="http://schemas.microsoft.com/office/drawing/2014/main" xmlns="" id="{8958FECA-F5A5-4E11-A7A5-18EAA0FE5A33}"/>
+              </a:ext>
+            </a:extLst>
+          </p:cNvPr>
+          <p:cNvSpPr/>
+          <p:nvPr/>
+        </p:nvSpPr>
+        <p:spPr>
+          <a:xfrm>
+            <a:off x="774179" y="952430"/>
+            <a:ext cx="5038115" cy="5183675"/>
+          </a:xfrm>
+          <a:prstGeom prst="rect">
+            <a:avLst/>
+          </a:prstGeom>
+          <a:ln w="12700">
+            <a:solidFill>
+              <a:srgbClr val="000000"/>
+            </a:solidFill>
+            <a:miter lim="400000"/>
+          </a:ln>
+        </p:spPr>
+        <p:txBody>
+          <a:bodyPr lIns="50800" tIns="50800" rIns="50800" bIns="50800" anchor="ctr"/>
+          <a:lstStyle/>
+          <a:p>
+            <a:pPr>
+              <a:lnSpc>
+                <a:spcPct val="120000"/>
+              </a:lnSpc>
+              <a:defRPr sz="3000" cap="all">
+                <a:solidFill>
+                  <a:srgbClr val="FFFFFF"/>
+                </a:solidFill>
+                <a:latin typeface="Proxima Nova Extrabold"/>
+                <a:ea typeface="Proxima Nova Extrabold"/>
+                <a:cs typeface="Proxima Nova Extrabold"/>
+                <a:sym typeface="Proxima Nova Extrabold"/>
+              </a:defRPr>
+            </a:pPr>
+            <a:endParaRPr/>
+          </a:p>
+        </p:txBody>
+      </p:sp>
+      <p:sp>
+        <p:nvSpPr>
+          <p:cNvPr id="9" name="Circle">
+            <a:extLst>
+              <a:ext uri="{FF2B5EF4-FFF2-40B4-BE49-F238E27FC236}">
+                <a16:creationId xmlns:a16="http://schemas.microsoft.com/office/drawing/2014/main" xmlns="" id="{2CE4DF51-CF44-43C7-99A9-80365F94AD7E}"/>
+              </a:ext>
+            </a:extLst>
+          </p:cNvPr>
+          <p:cNvSpPr/>
+          <p:nvPr/>
+        </p:nvSpPr>
+        <p:spPr>
+          <a:xfrm>
+            <a:off x="4174340" y="2699492"/>
+            <a:ext cx="922893" cy="922893"/>
+          </a:xfrm>
+          <a:prstGeom prst="ellipse">
+            <a:avLst/>
+          </a:prstGeom>
+          <a:solidFill>
+            <a:srgbClr val="000000"/>
+          </a:solidFill>
+          <a:ln w="12700">
+            <a:solidFill>
+              <a:srgbClr val="000000"/>
             </a:solidFill>
             <a:miter lim="400000"/>
           </a:ln>
@@ -3689,10 +3686,10 @@
       </p:sp>
       <p:sp>
         <p:nvSpPr>
-          <p:cNvPr id="11" name="Circle">
-            <a:extLst>
-              <a:ext uri="{FF2B5EF4-FFF2-40B4-BE49-F238E27FC236}">
-                <a16:creationId xmlns:a16="http://schemas.microsoft.com/office/drawing/2014/main" id="{510462BE-63B7-4276-8421-E15EB7E01B53}"/>
+          <p:cNvPr id="10" name="Circle">
+            <a:extLst>
+              <a:ext uri="{FF2B5EF4-FFF2-40B4-BE49-F238E27FC236}">
+                <a16:creationId xmlns:a16="http://schemas.microsoft.com/office/drawing/2014/main" xmlns="" id="{8A9BBC3B-63C0-4C5C-9210-33A0F1A013F8}"/>
               </a:ext>
             </a:extLst>
           </p:cNvPr>
@@ -3701,384 +3698,7 @@
         </p:nvSpPr>
         <p:spPr>
           <a:xfrm>
-            <a:off x="1467247" y="1470141"/>
-            <a:ext cx="4143588" cy="4143588"/>
-          </a:xfrm>
-          <a:prstGeom prst="ellipse">
-            <a:avLst/>
-          </a:prstGeom>
-          <a:solidFill>
-            <a:srgbClr val="D6D6D6">
-              <a:alpha val="44956"/>
-            </a:srgbClr>
-          </a:solidFill>
-          <a:ln w="12700">
-            <a:solidFill>
-              <a:srgbClr val="000000"/>
-            </a:solidFill>
-            <a:miter lim="400000"/>
-          </a:ln>
-        </p:spPr>
-        <p:txBody>
-          <a:bodyPr lIns="50800" tIns="50800" rIns="50800" bIns="50800" anchor="ctr"/>
-          <a:lstStyle/>
-          <a:p>
-            <a:pPr>
-              <a:lnSpc>
-                <a:spcPct val="120000"/>
-              </a:lnSpc>
-              <a:defRPr sz="3000" cap="all">
-                <a:solidFill>
-                  <a:srgbClr val="FFFFFF"/>
-                </a:solidFill>
-                <a:latin typeface="Proxima Nova Extrabold"/>
-                <a:ea typeface="Proxima Nova Extrabold"/>
-                <a:cs typeface="Proxima Nova Extrabold"/>
-                <a:sym typeface="Proxima Nova Extrabold"/>
-              </a:defRPr>
-            </a:pPr>
-            <a:endParaRPr/>
-          </a:p>
-        </p:txBody>
-      </p:sp>
-      <p:sp>
-        <p:nvSpPr>
-          <p:cNvPr id="12" name="Trait combination one">
-            <a:extLst>
-              <a:ext uri="{FF2B5EF4-FFF2-40B4-BE49-F238E27FC236}">
-                <a16:creationId xmlns:a16="http://schemas.microsoft.com/office/drawing/2014/main" id="{C0EEB230-7ED4-4E0D-B13C-97D4BD998D6B}"/>
-              </a:ext>
-            </a:extLst>
-          </p:cNvPr>
-          <p:cNvSpPr txBox="1"/>
-          <p:nvPr/>
-        </p:nvSpPr>
-        <p:spPr>
-          <a:xfrm>
-            <a:off x="3198671" y="6269823"/>
-            <a:ext cx="590321" cy="439672"/>
-          </a:xfrm>
-          <a:prstGeom prst="rect">
-            <a:avLst/>
-          </a:prstGeom>
-          <a:ln w="12700">
-            <a:miter lim="400000"/>
-          </a:ln>
-          <a:extLst>
-            <a:ext uri="{C572A759-6A51-4108-AA02-DFA0A04FC94B}">
-              <ma14:wrappingTextBoxFlag xmlns:ma14="http://schemas.microsoft.com/office/mac/drawingml/2011/main" xmlns:a14="http://schemas.microsoft.com/office/drawing/2010/main" xmlns:m="http://schemas.openxmlformats.org/officeDocument/2006/math" xmlns="" val="1"/>
-            </a:ext>
-          </a:extLst>
-        </p:spPr>
-        <p:txBody>
-          <a:bodyPr wrap="square" lIns="50800" tIns="50800" rIns="50800" bIns="50800" anchor="ctr">
-            <a:spAutoFit/>
-          </a:bodyPr>
-          <a:lstStyle>
-            <a:lvl1pPr>
-              <a:lnSpc>
-                <a:spcPct val="120000"/>
-              </a:lnSpc>
-              <a:defRPr sz="3000" cap="all">
-                <a:latin typeface="Proxima Nova Extrabold"/>
-                <a:ea typeface="Proxima Nova Extrabold"/>
-                <a:cs typeface="Proxima Nova Extrabold"/>
-                <a:sym typeface="Proxima Nova Extrabold"/>
-              </a:defRPr>
-            </a:lvl1pPr>
-          </a:lstStyle>
-          <a:p>
-            <a:r>
-              <a:rPr lang="en-AU" sz="2000" dirty="0">
-                <a:latin typeface="Times New Roman" panose="02020603050405020304" pitchFamily="18" charset="0"/>
-                <a:cs typeface="Times New Roman" panose="02020603050405020304" pitchFamily="18" charset="0"/>
-              </a:rPr>
-              <a:t>T1</a:t>
-            </a:r>
-            <a:endParaRPr sz="2000" dirty="0">
-              <a:latin typeface="Times New Roman" panose="02020603050405020304" pitchFamily="18" charset="0"/>
-              <a:cs typeface="Times New Roman" panose="02020603050405020304" pitchFamily="18" charset="0"/>
-            </a:endParaRPr>
-          </a:p>
-        </p:txBody>
-      </p:sp>
-      <p:sp>
-        <p:nvSpPr>
-          <p:cNvPr id="13" name="Trait combination one">
-            <a:extLst>
-              <a:ext uri="{FF2B5EF4-FFF2-40B4-BE49-F238E27FC236}">
-                <a16:creationId xmlns:a16="http://schemas.microsoft.com/office/drawing/2014/main" id="{B7C41A18-FDB7-4A94-A256-A69F4A59ECBC}"/>
-              </a:ext>
-            </a:extLst>
-          </p:cNvPr>
-          <p:cNvSpPr txBox="1"/>
-          <p:nvPr/>
-        </p:nvSpPr>
-        <p:spPr>
-          <a:xfrm rot="16200000">
-            <a:off x="44188" y="3029270"/>
-            <a:ext cx="590321" cy="439672"/>
-          </a:xfrm>
-          <a:prstGeom prst="rect">
-            <a:avLst/>
-          </a:prstGeom>
-          <a:ln w="12700">
-            <a:miter lim="400000"/>
-          </a:ln>
-          <a:extLst>
-            <a:ext uri="{C572A759-6A51-4108-AA02-DFA0A04FC94B}">
-              <ma14:wrappingTextBoxFlag xmlns:ma14="http://schemas.microsoft.com/office/mac/drawingml/2011/main" xmlns:a14="http://schemas.microsoft.com/office/drawing/2010/main" xmlns:m="http://schemas.openxmlformats.org/officeDocument/2006/math" xmlns="" val="1"/>
-            </a:ext>
-          </a:extLst>
-        </p:spPr>
-        <p:txBody>
-          <a:bodyPr wrap="square" lIns="50800" tIns="50800" rIns="50800" bIns="50800" anchor="ctr">
-            <a:spAutoFit/>
-          </a:bodyPr>
-          <a:lstStyle>
-            <a:lvl1pPr>
-              <a:lnSpc>
-                <a:spcPct val="120000"/>
-              </a:lnSpc>
-              <a:defRPr sz="3000" cap="all">
-                <a:latin typeface="Proxima Nova Extrabold"/>
-                <a:ea typeface="Proxima Nova Extrabold"/>
-                <a:cs typeface="Proxima Nova Extrabold"/>
-                <a:sym typeface="Proxima Nova Extrabold"/>
-              </a:defRPr>
-            </a:lvl1pPr>
-          </a:lstStyle>
-          <a:p>
-            <a:r>
-              <a:rPr lang="en-AU" sz="2000" dirty="0">
-                <a:latin typeface="Times New Roman" panose="02020603050405020304" pitchFamily="18" charset="0"/>
-                <a:cs typeface="Times New Roman" panose="02020603050405020304" pitchFamily="18" charset="0"/>
-              </a:rPr>
-              <a:t>T2</a:t>
-            </a:r>
-            <a:endParaRPr sz="2000" dirty="0">
-              <a:latin typeface="Times New Roman" panose="02020603050405020304" pitchFamily="18" charset="0"/>
-              <a:cs typeface="Times New Roman" panose="02020603050405020304" pitchFamily="18" charset="0"/>
-            </a:endParaRPr>
-          </a:p>
-        </p:txBody>
-      </p:sp>
-      <p:sp>
-        <p:nvSpPr>
-          <p:cNvPr id="15" name="Rectangle 14">
-            <a:extLst>
-              <a:ext uri="{FF2B5EF4-FFF2-40B4-BE49-F238E27FC236}">
-                <a16:creationId xmlns:a16="http://schemas.microsoft.com/office/drawing/2014/main" id="{E4143CDB-E701-4AC3-9607-0B8438344B28}"/>
-              </a:ext>
-            </a:extLst>
-          </p:cNvPr>
-          <p:cNvSpPr/>
-          <p:nvPr/>
-        </p:nvSpPr>
-        <p:spPr>
-          <a:xfrm>
-            <a:off x="4632278" y="2525933"/>
-            <a:ext cx="312906" cy="400110"/>
-          </a:xfrm>
-          <a:prstGeom prst="rect">
-            <a:avLst/>
-          </a:prstGeom>
-        </p:spPr>
-        <p:txBody>
-          <a:bodyPr wrap="none">
-            <a:spAutoFit/>
-          </a:bodyPr>
-          <a:lstStyle/>
-          <a:p>
-            <a:r>
-              <a:rPr lang="en-AU" sz="2000" dirty="0">
-                <a:solidFill>
-                  <a:srgbClr val="023EE8"/>
-                </a:solidFill>
-                <a:latin typeface="Times New Roman" panose="02020603050405020304" pitchFamily="18" charset="0"/>
-                <a:cs typeface="Times New Roman" panose="02020603050405020304" pitchFamily="18" charset="0"/>
-              </a:rPr>
-              <a:t>x</a:t>
-            </a:r>
-            <a:endParaRPr lang="en-US" sz="2000" dirty="0">
-              <a:solidFill>
-                <a:srgbClr val="023EE8"/>
-              </a:solidFill>
-              <a:latin typeface="Times New Roman" panose="02020603050405020304" pitchFamily="18" charset="0"/>
-              <a:cs typeface="Times New Roman" panose="02020603050405020304" pitchFamily="18" charset="0"/>
-            </a:endParaRPr>
-          </a:p>
-        </p:txBody>
-      </p:sp>
-      <p:sp>
-        <p:nvSpPr>
-          <p:cNvPr id="37" name="Rectangle 36">
-            <a:extLst>
-              <a:ext uri="{FF2B5EF4-FFF2-40B4-BE49-F238E27FC236}">
-                <a16:creationId xmlns:a16="http://schemas.microsoft.com/office/drawing/2014/main" id="{1FBB1AE6-8E3A-4A37-9577-4170ED921BAE}"/>
-              </a:ext>
-            </a:extLst>
-          </p:cNvPr>
-          <p:cNvSpPr/>
-          <p:nvPr/>
-        </p:nvSpPr>
-        <p:spPr>
-          <a:xfrm>
-            <a:off x="3685747" y="2005318"/>
-            <a:ext cx="312906" cy="400110"/>
-          </a:xfrm>
-          <a:prstGeom prst="rect">
-            <a:avLst/>
-          </a:prstGeom>
-        </p:spPr>
-        <p:txBody>
-          <a:bodyPr wrap="none">
-            <a:spAutoFit/>
-          </a:bodyPr>
-          <a:lstStyle/>
-          <a:p>
-            <a:r>
-              <a:rPr lang="en-AU" sz="2000" dirty="0">
-                <a:solidFill>
-                  <a:srgbClr val="FF0000"/>
-                </a:solidFill>
-                <a:latin typeface="Times New Roman" panose="02020603050405020304" pitchFamily="18" charset="0"/>
-                <a:cs typeface="Times New Roman" panose="02020603050405020304" pitchFamily="18" charset="0"/>
-              </a:rPr>
-              <a:t>x</a:t>
-            </a:r>
-            <a:endParaRPr lang="en-US" sz="2000" dirty="0">
-              <a:solidFill>
-                <a:srgbClr val="FF0000"/>
-              </a:solidFill>
-              <a:latin typeface="Times New Roman" panose="02020603050405020304" pitchFamily="18" charset="0"/>
-              <a:cs typeface="Times New Roman" panose="02020603050405020304" pitchFamily="18" charset="0"/>
-            </a:endParaRPr>
-          </a:p>
-        </p:txBody>
-      </p:sp>
-      <p:sp>
-        <p:nvSpPr>
-          <p:cNvPr id="48" name="TextBox 47">
-            <a:extLst>
-              <a:ext uri="{FF2B5EF4-FFF2-40B4-BE49-F238E27FC236}">
-                <a16:creationId xmlns:a16="http://schemas.microsoft.com/office/drawing/2014/main" id="{68DEB93F-0CD7-4FC5-983E-A7F6C37BFA26}"/>
-              </a:ext>
-            </a:extLst>
-          </p:cNvPr>
-          <p:cNvSpPr txBox="1"/>
-          <p:nvPr/>
-        </p:nvSpPr>
-        <p:spPr>
-          <a:xfrm>
-            <a:off x="6303309" y="1365266"/>
-            <a:ext cx="3456264" cy="2677656"/>
-          </a:xfrm>
-          <a:prstGeom prst="rect">
-            <a:avLst/>
-          </a:prstGeom>
-          <a:noFill/>
-        </p:spPr>
-        <p:txBody>
-          <a:bodyPr wrap="square" rtlCol="0">
-            <a:spAutoFit/>
-          </a:bodyPr>
-          <a:lstStyle/>
-          <a:p>
-            <a:r>
-              <a:rPr lang="en-US" sz="2400" dirty="0">
-                <a:latin typeface="Times New Roman" panose="02020603050405020304" pitchFamily="18" charset="0"/>
-                <a:cs typeface="Times New Roman" panose="02020603050405020304" pitchFamily="18" charset="0"/>
-              </a:rPr>
-              <a:t>Continuum-of-Alleles model</a:t>
-            </a:r>
-          </a:p>
-          <a:p>
-            <a:endParaRPr lang="en-US" sz="2400" dirty="0">
-              <a:latin typeface="Times New Roman" panose="02020603050405020304" pitchFamily="18" charset="0"/>
-              <a:cs typeface="Times New Roman" panose="02020603050405020304" pitchFamily="18" charset="0"/>
-            </a:endParaRPr>
-          </a:p>
-          <a:p>
-            <a:r>
-              <a:rPr lang="en-US" sz="2400" dirty="0">
-                <a:solidFill>
-                  <a:srgbClr val="023EE8"/>
-                </a:solidFill>
-                <a:latin typeface="Times New Roman" panose="02020603050405020304" pitchFamily="18" charset="0"/>
-                <a:cs typeface="Times New Roman" panose="02020603050405020304" pitchFamily="18" charset="0"/>
-              </a:rPr>
-              <a:t>X</a:t>
-            </a:r>
-            <a:r>
-              <a:rPr lang="en-US" sz="2400" dirty="0">
-                <a:solidFill>
-                  <a:srgbClr val="FFFF00"/>
-                </a:solidFill>
-                <a:latin typeface="Times New Roman" panose="02020603050405020304" pitchFamily="18" charset="0"/>
-                <a:cs typeface="Times New Roman" panose="02020603050405020304" pitchFamily="18" charset="0"/>
-              </a:rPr>
-              <a:t> </a:t>
-            </a:r>
-            <a:r>
-              <a:rPr lang="en-US" sz="2400" dirty="0">
-                <a:latin typeface="Times New Roman" panose="02020603050405020304" pitchFamily="18" charset="0"/>
-                <a:cs typeface="Times New Roman" panose="02020603050405020304" pitchFamily="18" charset="0"/>
-              </a:rPr>
-              <a:t>= House-of-Cards</a:t>
-            </a:r>
-          </a:p>
-          <a:p>
-            <a:r>
-              <a:rPr lang="en-US" sz="2400" dirty="0">
-                <a:solidFill>
-                  <a:srgbClr val="FF0000"/>
-                </a:solidFill>
-                <a:latin typeface="Times New Roman" panose="02020603050405020304" pitchFamily="18" charset="0"/>
-                <a:cs typeface="Times New Roman" panose="02020603050405020304" pitchFamily="18" charset="0"/>
-              </a:rPr>
-              <a:t>X</a:t>
-            </a:r>
-            <a:r>
-              <a:rPr lang="en-US" sz="2400" dirty="0">
-                <a:latin typeface="Times New Roman" panose="02020603050405020304" pitchFamily="18" charset="0"/>
-                <a:cs typeface="Times New Roman" panose="02020603050405020304" pitchFamily="18" charset="0"/>
-              </a:rPr>
-              <a:t> = Gaussian</a:t>
-            </a:r>
-          </a:p>
-          <a:p>
-            <a:endParaRPr lang="en-US" sz="2400" dirty="0">
-              <a:latin typeface="Times New Roman" panose="02020603050405020304" pitchFamily="18" charset="0"/>
-              <a:cs typeface="Times New Roman" panose="02020603050405020304" pitchFamily="18" charset="0"/>
-            </a:endParaRPr>
-          </a:p>
-          <a:p>
-            <a:r>
-              <a:rPr lang="en-US" sz="2400" dirty="0">
-                <a:latin typeface="Times New Roman" panose="02020603050405020304" pitchFamily="18" charset="0"/>
-                <a:cs typeface="Times New Roman" panose="02020603050405020304" pitchFamily="18" charset="0"/>
-              </a:rPr>
-              <a:t>    = Phenotypic optimum</a:t>
-            </a:r>
-          </a:p>
-        </p:txBody>
-      </p:sp>
-      <p:sp>
-        <p:nvSpPr>
-          <p:cNvPr id="50" name="Circle">
-            <a:extLst>
-              <a:ext uri="{FF2B5EF4-FFF2-40B4-BE49-F238E27FC236}">
-                <a16:creationId xmlns:a16="http://schemas.microsoft.com/office/drawing/2014/main" id="{3C996158-691C-4062-8151-DE186CE59366}"/>
-              </a:ext>
-            </a:extLst>
-          </p:cNvPr>
-          <p:cNvSpPr/>
-          <p:nvPr/>
-        </p:nvSpPr>
-        <p:spPr>
-          <a:xfrm>
-            <a:off x="6332318" y="3679756"/>
+            <a:off x="4508289" y="3033441"/>
             <a:ext cx="254995" cy="254995"/>
           </a:xfrm>
           <a:prstGeom prst="ellipse">
@@ -4125,10 +3745,387 @@
       </p:sp>
       <p:sp>
         <p:nvSpPr>
+          <p:cNvPr id="11" name="Circle">
+            <a:extLst>
+              <a:ext uri="{FF2B5EF4-FFF2-40B4-BE49-F238E27FC236}">
+                <a16:creationId xmlns:a16="http://schemas.microsoft.com/office/drawing/2014/main" xmlns="" id="{510462BE-63B7-4276-8421-E15EB7E01B53}"/>
+              </a:ext>
+            </a:extLst>
+          </p:cNvPr>
+          <p:cNvSpPr/>
+          <p:nvPr/>
+        </p:nvSpPr>
+        <p:spPr>
+          <a:xfrm>
+            <a:off x="1467247" y="1470141"/>
+            <a:ext cx="4143588" cy="4143588"/>
+          </a:xfrm>
+          <a:prstGeom prst="ellipse">
+            <a:avLst/>
+          </a:prstGeom>
+          <a:solidFill>
+            <a:srgbClr val="D6D6D6">
+              <a:alpha val="44956"/>
+            </a:srgbClr>
+          </a:solidFill>
+          <a:ln w="12700">
+            <a:solidFill>
+              <a:srgbClr val="000000"/>
+            </a:solidFill>
+            <a:miter lim="400000"/>
+          </a:ln>
+        </p:spPr>
+        <p:txBody>
+          <a:bodyPr lIns="50800" tIns="50800" rIns="50800" bIns="50800" anchor="ctr"/>
+          <a:lstStyle/>
+          <a:p>
+            <a:pPr>
+              <a:lnSpc>
+                <a:spcPct val="120000"/>
+              </a:lnSpc>
+              <a:defRPr sz="3000" cap="all">
+                <a:solidFill>
+                  <a:srgbClr val="FFFFFF"/>
+                </a:solidFill>
+                <a:latin typeface="Proxima Nova Extrabold"/>
+                <a:ea typeface="Proxima Nova Extrabold"/>
+                <a:cs typeface="Proxima Nova Extrabold"/>
+                <a:sym typeface="Proxima Nova Extrabold"/>
+              </a:defRPr>
+            </a:pPr>
+            <a:endParaRPr/>
+          </a:p>
+        </p:txBody>
+      </p:sp>
+      <p:sp>
+        <p:nvSpPr>
+          <p:cNvPr id="12" name="Trait combination one">
+            <a:extLst>
+              <a:ext uri="{FF2B5EF4-FFF2-40B4-BE49-F238E27FC236}">
+                <a16:creationId xmlns:a16="http://schemas.microsoft.com/office/drawing/2014/main" xmlns="" id="{C0EEB230-7ED4-4E0D-B13C-97D4BD998D6B}"/>
+              </a:ext>
+            </a:extLst>
+          </p:cNvPr>
+          <p:cNvSpPr txBox="1"/>
+          <p:nvPr/>
+        </p:nvSpPr>
+        <p:spPr>
+          <a:xfrm>
+            <a:off x="3198671" y="6269823"/>
+            <a:ext cx="590321" cy="439672"/>
+          </a:xfrm>
+          <a:prstGeom prst="rect">
+            <a:avLst/>
+          </a:prstGeom>
+          <a:ln w="12700">
+            <a:miter lim="400000"/>
+          </a:ln>
+          <a:extLst>
+            <a:ext uri="{C572A759-6A51-4108-AA02-DFA0A04FC94B}">
+              <ma14:wrappingTextBoxFlag xmlns="" xmlns:m="http://schemas.openxmlformats.org/officeDocument/2006/math" xmlns:a14="http://schemas.microsoft.com/office/drawing/2010/main" xmlns:ma14="http://schemas.microsoft.com/office/mac/drawingml/2011/main" val="1"/>
+            </a:ext>
+          </a:extLst>
+        </p:spPr>
+        <p:txBody>
+          <a:bodyPr wrap="square" lIns="50800" tIns="50800" rIns="50800" bIns="50800" anchor="ctr">
+            <a:spAutoFit/>
+          </a:bodyPr>
+          <a:lstStyle>
+            <a:lvl1pPr>
+              <a:lnSpc>
+                <a:spcPct val="120000"/>
+              </a:lnSpc>
+              <a:defRPr sz="3000" cap="all">
+                <a:latin typeface="Proxima Nova Extrabold"/>
+                <a:ea typeface="Proxima Nova Extrabold"/>
+                <a:cs typeface="Proxima Nova Extrabold"/>
+                <a:sym typeface="Proxima Nova Extrabold"/>
+              </a:defRPr>
+            </a:lvl1pPr>
+          </a:lstStyle>
+          <a:p>
+            <a:r>
+              <a:rPr lang="en-AU" sz="2000" dirty="0">
+                <a:latin typeface="Times New Roman" panose="02020603050405020304" pitchFamily="18" charset="0"/>
+                <a:cs typeface="Times New Roman" panose="02020603050405020304" pitchFamily="18" charset="0"/>
+              </a:rPr>
+              <a:t>T1</a:t>
+            </a:r>
+            <a:endParaRPr sz="2000" dirty="0">
+              <a:latin typeface="Times New Roman" panose="02020603050405020304" pitchFamily="18" charset="0"/>
+              <a:cs typeface="Times New Roman" panose="02020603050405020304" pitchFamily="18" charset="0"/>
+            </a:endParaRPr>
+          </a:p>
+        </p:txBody>
+      </p:sp>
+      <p:sp>
+        <p:nvSpPr>
+          <p:cNvPr id="13" name="Trait combination one">
+            <a:extLst>
+              <a:ext uri="{FF2B5EF4-FFF2-40B4-BE49-F238E27FC236}">
+                <a16:creationId xmlns:a16="http://schemas.microsoft.com/office/drawing/2014/main" xmlns="" id="{B7C41A18-FDB7-4A94-A256-A69F4A59ECBC}"/>
+              </a:ext>
+            </a:extLst>
+          </p:cNvPr>
+          <p:cNvSpPr txBox="1"/>
+          <p:nvPr/>
+        </p:nvSpPr>
+        <p:spPr>
+          <a:xfrm rot="16200000">
+            <a:off x="44188" y="3029270"/>
+            <a:ext cx="590321" cy="439672"/>
+          </a:xfrm>
+          <a:prstGeom prst="rect">
+            <a:avLst/>
+          </a:prstGeom>
+          <a:ln w="12700">
+            <a:miter lim="400000"/>
+          </a:ln>
+          <a:extLst>
+            <a:ext uri="{C572A759-6A51-4108-AA02-DFA0A04FC94B}">
+              <ma14:wrappingTextBoxFlag xmlns="" xmlns:m="http://schemas.openxmlformats.org/officeDocument/2006/math" xmlns:a14="http://schemas.microsoft.com/office/drawing/2010/main" xmlns:ma14="http://schemas.microsoft.com/office/mac/drawingml/2011/main" val="1"/>
+            </a:ext>
+          </a:extLst>
+        </p:spPr>
+        <p:txBody>
+          <a:bodyPr wrap="square" lIns="50800" tIns="50800" rIns="50800" bIns="50800" anchor="ctr">
+            <a:spAutoFit/>
+          </a:bodyPr>
+          <a:lstStyle>
+            <a:lvl1pPr>
+              <a:lnSpc>
+                <a:spcPct val="120000"/>
+              </a:lnSpc>
+              <a:defRPr sz="3000" cap="all">
+                <a:latin typeface="Proxima Nova Extrabold"/>
+                <a:ea typeface="Proxima Nova Extrabold"/>
+                <a:cs typeface="Proxima Nova Extrabold"/>
+                <a:sym typeface="Proxima Nova Extrabold"/>
+              </a:defRPr>
+            </a:lvl1pPr>
+          </a:lstStyle>
+          <a:p>
+            <a:r>
+              <a:rPr lang="en-AU" sz="2000" dirty="0">
+                <a:latin typeface="Times New Roman" panose="02020603050405020304" pitchFamily="18" charset="0"/>
+                <a:cs typeface="Times New Roman" panose="02020603050405020304" pitchFamily="18" charset="0"/>
+              </a:rPr>
+              <a:t>T2</a:t>
+            </a:r>
+            <a:endParaRPr sz="2000" dirty="0">
+              <a:latin typeface="Times New Roman" panose="02020603050405020304" pitchFamily="18" charset="0"/>
+              <a:cs typeface="Times New Roman" panose="02020603050405020304" pitchFamily="18" charset="0"/>
+            </a:endParaRPr>
+          </a:p>
+        </p:txBody>
+      </p:sp>
+      <p:sp>
+        <p:nvSpPr>
+          <p:cNvPr id="15" name="Rectangle 14">
+            <a:extLst>
+              <a:ext uri="{FF2B5EF4-FFF2-40B4-BE49-F238E27FC236}">
+                <a16:creationId xmlns:a16="http://schemas.microsoft.com/office/drawing/2014/main" xmlns="" id="{E4143CDB-E701-4AC3-9607-0B8438344B28}"/>
+              </a:ext>
+            </a:extLst>
+          </p:cNvPr>
+          <p:cNvSpPr/>
+          <p:nvPr/>
+        </p:nvSpPr>
+        <p:spPr>
+          <a:xfrm>
+            <a:off x="4632278" y="2525933"/>
+            <a:ext cx="312906" cy="400110"/>
+          </a:xfrm>
+          <a:prstGeom prst="rect">
+            <a:avLst/>
+          </a:prstGeom>
+        </p:spPr>
+        <p:txBody>
+          <a:bodyPr wrap="none">
+            <a:spAutoFit/>
+          </a:bodyPr>
+          <a:lstStyle/>
+          <a:p>
+            <a:r>
+              <a:rPr lang="en-AU" sz="2000" dirty="0">
+                <a:solidFill>
+                  <a:srgbClr val="023EE8"/>
+                </a:solidFill>
+                <a:latin typeface="Times New Roman" panose="02020603050405020304" pitchFamily="18" charset="0"/>
+                <a:cs typeface="Times New Roman" panose="02020603050405020304" pitchFamily="18" charset="0"/>
+              </a:rPr>
+              <a:t>x</a:t>
+            </a:r>
+            <a:endParaRPr lang="en-US" sz="2000" dirty="0">
+              <a:solidFill>
+                <a:srgbClr val="023EE8"/>
+              </a:solidFill>
+              <a:latin typeface="Times New Roman" panose="02020603050405020304" pitchFamily="18" charset="0"/>
+              <a:cs typeface="Times New Roman" panose="02020603050405020304" pitchFamily="18" charset="0"/>
+            </a:endParaRPr>
+          </a:p>
+        </p:txBody>
+      </p:sp>
+      <p:sp>
+        <p:nvSpPr>
+          <p:cNvPr id="37" name="Rectangle 36">
+            <a:extLst>
+              <a:ext uri="{FF2B5EF4-FFF2-40B4-BE49-F238E27FC236}">
+                <a16:creationId xmlns:a16="http://schemas.microsoft.com/office/drawing/2014/main" xmlns="" id="{1FBB1AE6-8E3A-4A37-9577-4170ED921BAE}"/>
+              </a:ext>
+            </a:extLst>
+          </p:cNvPr>
+          <p:cNvSpPr/>
+          <p:nvPr/>
+        </p:nvSpPr>
+        <p:spPr>
+          <a:xfrm>
+            <a:off x="3685747" y="2005318"/>
+            <a:ext cx="312906" cy="400110"/>
+          </a:xfrm>
+          <a:prstGeom prst="rect">
+            <a:avLst/>
+          </a:prstGeom>
+        </p:spPr>
+        <p:txBody>
+          <a:bodyPr wrap="none">
+            <a:spAutoFit/>
+          </a:bodyPr>
+          <a:lstStyle/>
+          <a:p>
+            <a:r>
+              <a:rPr lang="en-AU" sz="2000" dirty="0">
+                <a:solidFill>
+                  <a:srgbClr val="FF0000"/>
+                </a:solidFill>
+                <a:latin typeface="Times New Roman" panose="02020603050405020304" pitchFamily="18" charset="0"/>
+                <a:cs typeface="Times New Roman" panose="02020603050405020304" pitchFamily="18" charset="0"/>
+              </a:rPr>
+              <a:t>x</a:t>
+            </a:r>
+            <a:endParaRPr lang="en-US" sz="2000" dirty="0">
+              <a:solidFill>
+                <a:srgbClr val="FF0000"/>
+              </a:solidFill>
+              <a:latin typeface="Times New Roman" panose="02020603050405020304" pitchFamily="18" charset="0"/>
+              <a:cs typeface="Times New Roman" panose="02020603050405020304" pitchFamily="18" charset="0"/>
+            </a:endParaRPr>
+          </a:p>
+        </p:txBody>
+      </p:sp>
+      <p:sp>
+        <p:nvSpPr>
+          <p:cNvPr id="48" name="TextBox 47">
+            <a:extLst>
+              <a:ext uri="{FF2B5EF4-FFF2-40B4-BE49-F238E27FC236}">
+                <a16:creationId xmlns:a16="http://schemas.microsoft.com/office/drawing/2014/main" xmlns="" id="{68DEB93F-0CD7-4FC5-983E-A7F6C37BFA26}"/>
+              </a:ext>
+            </a:extLst>
+          </p:cNvPr>
+          <p:cNvSpPr txBox="1"/>
+          <p:nvPr/>
+        </p:nvSpPr>
+        <p:spPr>
+          <a:xfrm>
+            <a:off x="6303309" y="1365266"/>
+            <a:ext cx="3456264" cy="2677656"/>
+          </a:xfrm>
+          <a:prstGeom prst="rect">
+            <a:avLst/>
+          </a:prstGeom>
+          <a:noFill/>
+        </p:spPr>
+        <p:txBody>
+          <a:bodyPr wrap="square" rtlCol="0">
+            <a:spAutoFit/>
+          </a:bodyPr>
+          <a:lstStyle/>
+          <a:p>
+            <a:r>
+              <a:rPr lang="en-US" sz="2400" dirty="0">
+                <a:latin typeface="Times New Roman" panose="02020603050405020304" pitchFamily="18" charset="0"/>
+                <a:cs typeface="Times New Roman" panose="02020603050405020304" pitchFamily="18" charset="0"/>
+              </a:rPr>
+              <a:t>Continuum-of-Alleles model</a:t>
+            </a:r>
+          </a:p>
+          <a:p>
+            <a:endParaRPr lang="en-US" sz="2400" dirty="0">
+              <a:latin typeface="Times New Roman" panose="02020603050405020304" pitchFamily="18" charset="0"/>
+              <a:cs typeface="Times New Roman" panose="02020603050405020304" pitchFamily="18" charset="0"/>
+            </a:endParaRPr>
+          </a:p>
+          <a:p>
+            <a:r>
+              <a:rPr lang="en-US" sz="2400" dirty="0">
+                <a:solidFill>
+                  <a:srgbClr val="023EE8"/>
+                </a:solidFill>
+                <a:latin typeface="Times New Roman" panose="02020603050405020304" pitchFamily="18" charset="0"/>
+                <a:cs typeface="Times New Roman" panose="02020603050405020304" pitchFamily="18" charset="0"/>
+              </a:rPr>
+              <a:t>X</a:t>
+            </a:r>
+            <a:r>
+              <a:rPr lang="en-US" sz="2400" dirty="0">
+                <a:solidFill>
+                  <a:srgbClr val="FFFF00"/>
+                </a:solidFill>
+                <a:latin typeface="Times New Roman" panose="02020603050405020304" pitchFamily="18" charset="0"/>
+                <a:cs typeface="Times New Roman" panose="02020603050405020304" pitchFamily="18" charset="0"/>
+              </a:rPr>
+              <a:t> </a:t>
+            </a:r>
+            <a:r>
+              <a:rPr lang="en-US" sz="2400" dirty="0">
+                <a:latin typeface="Times New Roman" panose="02020603050405020304" pitchFamily="18" charset="0"/>
+                <a:cs typeface="Times New Roman" panose="02020603050405020304" pitchFamily="18" charset="0"/>
+              </a:rPr>
+              <a:t>= House-of-Cards</a:t>
+            </a:r>
+          </a:p>
+          <a:p>
+            <a:r>
+              <a:rPr lang="en-US" sz="2400" dirty="0">
+                <a:solidFill>
+                  <a:srgbClr val="FF0000"/>
+                </a:solidFill>
+                <a:latin typeface="Times New Roman" panose="02020603050405020304" pitchFamily="18" charset="0"/>
+                <a:cs typeface="Times New Roman" panose="02020603050405020304" pitchFamily="18" charset="0"/>
+              </a:rPr>
+              <a:t>X</a:t>
+            </a:r>
+            <a:r>
+              <a:rPr lang="en-US" sz="2400" dirty="0">
+                <a:latin typeface="Times New Roman" panose="02020603050405020304" pitchFamily="18" charset="0"/>
+                <a:cs typeface="Times New Roman" panose="02020603050405020304" pitchFamily="18" charset="0"/>
+              </a:rPr>
+              <a:t> = Gaussian</a:t>
+            </a:r>
+          </a:p>
+          <a:p>
+            <a:endParaRPr lang="en-US" sz="2400" dirty="0">
+              <a:latin typeface="Times New Roman" panose="02020603050405020304" pitchFamily="18" charset="0"/>
+              <a:cs typeface="Times New Roman" panose="02020603050405020304" pitchFamily="18" charset="0"/>
+            </a:endParaRPr>
+          </a:p>
+          <a:p>
+            <a:r>
+              <a:rPr lang="en-US" sz="2400" dirty="0">
+                <a:latin typeface="Times New Roman" panose="02020603050405020304" pitchFamily="18" charset="0"/>
+                <a:cs typeface="Times New Roman" panose="02020603050405020304" pitchFamily="18" charset="0"/>
+              </a:rPr>
+              <a:t>    = Phenotypic optimum</a:t>
+            </a:r>
+          </a:p>
+        </p:txBody>
+      </p:sp>
+      <p:sp>
+        <p:nvSpPr>
           <p:cNvPr id="51" name="Rectangle 50">
             <a:extLst>
               <a:ext uri="{FF2B5EF4-FFF2-40B4-BE49-F238E27FC236}">
-                <a16:creationId xmlns:a16="http://schemas.microsoft.com/office/drawing/2014/main" id="{24BCB3D5-C438-4571-B46F-44EC5C2CAB6A}"/>
+                <a16:creationId xmlns:a16="http://schemas.microsoft.com/office/drawing/2014/main" xmlns="" id="{24BCB3D5-C438-4571-B46F-44EC5C2CAB6A}"/>
               </a:ext>
             </a:extLst>
           </p:cNvPr>
@@ -4175,7 +4172,7 @@
           <p:cNvPr id="52" name="Rectangle 51">
             <a:extLst>
               <a:ext uri="{FF2B5EF4-FFF2-40B4-BE49-F238E27FC236}">
-                <a16:creationId xmlns:a16="http://schemas.microsoft.com/office/drawing/2014/main" id="{BB44D4EF-3C3D-4A1D-B895-C35B075A1973}"/>
+                <a16:creationId xmlns:a16="http://schemas.microsoft.com/office/drawing/2014/main" xmlns="" id="{BB44D4EF-3C3D-4A1D-B895-C35B075A1973}"/>
               </a:ext>
             </a:extLst>
           </p:cNvPr>
@@ -4222,7 +4219,7 @@
           <p:cNvPr id="53" name="Rectangle 52">
             <a:extLst>
               <a:ext uri="{FF2B5EF4-FFF2-40B4-BE49-F238E27FC236}">
-                <a16:creationId xmlns:a16="http://schemas.microsoft.com/office/drawing/2014/main" id="{7EF30EA8-FF4A-4641-A25B-DA5335A60878}"/>
+                <a16:creationId xmlns:a16="http://schemas.microsoft.com/office/drawing/2014/main" xmlns="" id="{7EF30EA8-FF4A-4641-A25B-DA5335A60878}"/>
               </a:ext>
             </a:extLst>
           </p:cNvPr>
@@ -4269,7 +4266,7 @@
           <p:cNvPr id="54" name="Rectangle 53">
             <a:extLst>
               <a:ext uri="{FF2B5EF4-FFF2-40B4-BE49-F238E27FC236}">
-                <a16:creationId xmlns:a16="http://schemas.microsoft.com/office/drawing/2014/main" id="{5BF455DC-212C-43D8-9855-3F775894A266}"/>
+                <a16:creationId xmlns:a16="http://schemas.microsoft.com/office/drawing/2014/main" xmlns="" id="{5BF455DC-212C-43D8-9855-3F775894A266}"/>
               </a:ext>
             </a:extLst>
           </p:cNvPr>
@@ -4316,7 +4313,7 @@
           <p:cNvPr id="55" name="Rectangle 54">
             <a:extLst>
               <a:ext uri="{FF2B5EF4-FFF2-40B4-BE49-F238E27FC236}">
-                <a16:creationId xmlns:a16="http://schemas.microsoft.com/office/drawing/2014/main" id="{A9FA66BA-13B0-44AA-B740-17D6AA107059}"/>
+                <a16:creationId xmlns:a16="http://schemas.microsoft.com/office/drawing/2014/main" xmlns="" id="{A9FA66BA-13B0-44AA-B740-17D6AA107059}"/>
               </a:ext>
             </a:extLst>
           </p:cNvPr>
@@ -4363,7 +4360,7 @@
           <p:cNvPr id="56" name="Rectangle 55">
             <a:extLst>
               <a:ext uri="{FF2B5EF4-FFF2-40B4-BE49-F238E27FC236}">
-                <a16:creationId xmlns:a16="http://schemas.microsoft.com/office/drawing/2014/main" id="{4CE1B4B0-2C83-4832-8BDC-FE7C4D09C4E7}"/>
+                <a16:creationId xmlns:a16="http://schemas.microsoft.com/office/drawing/2014/main" xmlns="" id="{4CE1B4B0-2C83-4832-8BDC-FE7C4D09C4E7}"/>
               </a:ext>
             </a:extLst>
           </p:cNvPr>
@@ -4410,7 +4407,7 @@
           <p:cNvPr id="68" name="Rectangle 67">
             <a:extLst>
               <a:ext uri="{FF2B5EF4-FFF2-40B4-BE49-F238E27FC236}">
-                <a16:creationId xmlns:a16="http://schemas.microsoft.com/office/drawing/2014/main" id="{4146B17B-776F-40B1-ABD6-900E88244590}"/>
+                <a16:creationId xmlns:a16="http://schemas.microsoft.com/office/drawing/2014/main" xmlns="" id="{4146B17B-776F-40B1-ABD6-900E88244590}"/>
               </a:ext>
             </a:extLst>
           </p:cNvPr>
@@ -4457,7 +4454,7 @@
           <p:cNvPr id="69" name="Rectangle 68">
             <a:extLst>
               <a:ext uri="{FF2B5EF4-FFF2-40B4-BE49-F238E27FC236}">
-                <a16:creationId xmlns:a16="http://schemas.microsoft.com/office/drawing/2014/main" id="{FFA9C380-7E36-435D-8AB8-EB2DFA9B6272}"/>
+                <a16:creationId xmlns:a16="http://schemas.microsoft.com/office/drawing/2014/main" xmlns="" id="{FFA9C380-7E36-435D-8AB8-EB2DFA9B6272}"/>
               </a:ext>
             </a:extLst>
           </p:cNvPr>
@@ -4504,7 +4501,7 @@
           <p:cNvPr id="70" name="Rectangle 69">
             <a:extLst>
               <a:ext uri="{FF2B5EF4-FFF2-40B4-BE49-F238E27FC236}">
-                <a16:creationId xmlns:a16="http://schemas.microsoft.com/office/drawing/2014/main" id="{A6BE03BB-F366-4F03-865F-4F75FD0E8A12}"/>
+                <a16:creationId xmlns:a16="http://schemas.microsoft.com/office/drawing/2014/main" xmlns="" id="{A6BE03BB-F366-4F03-865F-4F75FD0E8A12}"/>
               </a:ext>
             </a:extLst>
           </p:cNvPr>
@@ -4551,7 +4548,7 @@
           <p:cNvPr id="71" name="Rectangle 70">
             <a:extLst>
               <a:ext uri="{FF2B5EF4-FFF2-40B4-BE49-F238E27FC236}">
-                <a16:creationId xmlns:a16="http://schemas.microsoft.com/office/drawing/2014/main" id="{DD931609-4C01-491F-B997-41B962E55712}"/>
+                <a16:creationId xmlns:a16="http://schemas.microsoft.com/office/drawing/2014/main" xmlns="" id="{DD931609-4C01-491F-B997-41B962E55712}"/>
               </a:ext>
             </a:extLst>
           </p:cNvPr>
@@ -4598,7 +4595,7 @@
           <p:cNvPr id="72" name="Rectangle 71">
             <a:extLst>
               <a:ext uri="{FF2B5EF4-FFF2-40B4-BE49-F238E27FC236}">
-                <a16:creationId xmlns:a16="http://schemas.microsoft.com/office/drawing/2014/main" id="{714E1D76-F811-47D6-82E7-F755FF7746A0}"/>
+                <a16:creationId xmlns:a16="http://schemas.microsoft.com/office/drawing/2014/main" xmlns="" id="{714E1D76-F811-47D6-82E7-F755FF7746A0}"/>
               </a:ext>
             </a:extLst>
           </p:cNvPr>
@@ -4645,7 +4642,7 @@
           <p:cNvPr id="73" name="Rectangle 72">
             <a:extLst>
               <a:ext uri="{FF2B5EF4-FFF2-40B4-BE49-F238E27FC236}">
-                <a16:creationId xmlns:a16="http://schemas.microsoft.com/office/drawing/2014/main" id="{3920038E-5C25-4C0B-A2BD-2F2A2581F0A5}"/>
+                <a16:creationId xmlns:a16="http://schemas.microsoft.com/office/drawing/2014/main" xmlns="" id="{3920038E-5C25-4C0B-A2BD-2F2A2581F0A5}"/>
               </a:ext>
             </a:extLst>
           </p:cNvPr>
@@ -4692,7 +4689,7 @@
           <p:cNvPr id="74" name="Rectangle 73">
             <a:extLst>
               <a:ext uri="{FF2B5EF4-FFF2-40B4-BE49-F238E27FC236}">
-                <a16:creationId xmlns:a16="http://schemas.microsoft.com/office/drawing/2014/main" id="{48F7ACD7-A954-4221-8235-A08064223C8F}"/>
+                <a16:creationId xmlns:a16="http://schemas.microsoft.com/office/drawing/2014/main" xmlns="" id="{48F7ACD7-A954-4221-8235-A08064223C8F}"/>
               </a:ext>
             </a:extLst>
           </p:cNvPr>
@@ -4739,7 +4736,7 @@
           <p:cNvPr id="75" name="Rectangle 74">
             <a:extLst>
               <a:ext uri="{FF2B5EF4-FFF2-40B4-BE49-F238E27FC236}">
-                <a16:creationId xmlns:a16="http://schemas.microsoft.com/office/drawing/2014/main" id="{728CEEC4-FE02-42D0-81EF-7AAF11DC8441}"/>
+                <a16:creationId xmlns:a16="http://schemas.microsoft.com/office/drawing/2014/main" xmlns="" id="{728CEEC4-FE02-42D0-81EF-7AAF11DC8441}"/>
               </a:ext>
             </a:extLst>
           </p:cNvPr>
@@ -4786,7 +4783,7 @@
           <p:cNvPr id="76" name="Rectangle 75">
             <a:extLst>
               <a:ext uri="{FF2B5EF4-FFF2-40B4-BE49-F238E27FC236}">
-                <a16:creationId xmlns:a16="http://schemas.microsoft.com/office/drawing/2014/main" id="{FF9D38A4-A72A-4C09-A609-C173C0FBDCB0}"/>
+                <a16:creationId xmlns:a16="http://schemas.microsoft.com/office/drawing/2014/main" xmlns="" id="{FF9D38A4-A72A-4C09-A609-C173C0FBDCB0}"/>
               </a:ext>
             </a:extLst>
           </p:cNvPr>
@@ -4833,7 +4830,7 @@
           <p:cNvPr id="42" name="Rectangle 41">
             <a:extLst>
               <a:ext uri="{FF2B5EF4-FFF2-40B4-BE49-F238E27FC236}">
-                <a16:creationId xmlns:a16="http://schemas.microsoft.com/office/drawing/2014/main" id="{CBDDBDE5-1CAF-4AB7-9F5A-FA1358F60D46}"/>
+                <a16:creationId xmlns:a16="http://schemas.microsoft.com/office/drawing/2014/main" xmlns="" id="{CBDDBDE5-1CAF-4AB7-9F5A-FA1358F60D46}"/>
               </a:ext>
             </a:extLst>
           </p:cNvPr>
@@ -4880,7 +4877,7 @@
           <p:cNvPr id="43" name="Rectangle 42">
             <a:extLst>
               <a:ext uri="{FF2B5EF4-FFF2-40B4-BE49-F238E27FC236}">
-                <a16:creationId xmlns:a16="http://schemas.microsoft.com/office/drawing/2014/main" id="{F4A6C4A0-B858-49B1-86B6-006D5339C33E}"/>
+                <a16:creationId xmlns:a16="http://schemas.microsoft.com/office/drawing/2014/main" xmlns="" id="{F4A6C4A0-B858-49B1-86B6-006D5339C33E}"/>
               </a:ext>
             </a:extLst>
           </p:cNvPr>
@@ -4927,7 +4924,7 @@
           <p:cNvPr id="44" name="Rectangle 43">
             <a:extLst>
               <a:ext uri="{FF2B5EF4-FFF2-40B4-BE49-F238E27FC236}">
-                <a16:creationId xmlns:a16="http://schemas.microsoft.com/office/drawing/2014/main" id="{6C623C62-67FA-444C-9488-62EB2AB0742B}"/>
+                <a16:creationId xmlns:a16="http://schemas.microsoft.com/office/drawing/2014/main" xmlns="" id="{6C623C62-67FA-444C-9488-62EB2AB0742B}"/>
               </a:ext>
             </a:extLst>
           </p:cNvPr>
